--- a/Documentation/Gra-zręcznościowa-wykorzystująca-kontroler-kinnect.pptx
+++ b/Documentation/Gra-zręcznościowa-wykorzystująca-kontroler-kinnect.pptx
@@ -1395,6 +1395,13 @@
         </dgm:presLayoutVars>
       </dgm:prSet>
       <dgm:spPr/>
+      <dgm:t>
+        <a:bodyPr/>
+        <a:lstStyle/>
+        <a:p>
+          <a:endParaRPr lang="pl-PL"/>
+        </a:p>
+      </dgm:t>
     </dgm:pt>
     <dgm:pt modelId="{AAF46C2B-06E5-4873-BBC9-1131C48D4317}" type="pres">
       <dgm:prSet presAssocID="{6BAF4B16-1C37-4229-9105-EA9D9D59360D}" presName="vertFlow" presStyleCnt="0"/>
@@ -1414,6 +1421,13 @@
     <dgm:pt modelId="{7DB796E6-E04F-4232-9F29-C22A001EE88C}" type="pres">
       <dgm:prSet presAssocID="{9225F0D0-E709-4BD4-93A8-C4315062C2FA}" presName="parTrans" presStyleLbl="sibTrans2D1" presStyleIdx="0" presStyleCnt="9"/>
       <dgm:spPr/>
+      <dgm:t>
+        <a:bodyPr/>
+        <a:lstStyle/>
+        <a:p>
+          <a:endParaRPr lang="pl-PL"/>
+        </a:p>
+      </dgm:t>
     </dgm:pt>
     <dgm:pt modelId="{451D2536-E0F9-4991-B210-CD200A773B92}" type="pres">
       <dgm:prSet presAssocID="{B0BA7A44-C5D2-4640-9C33-7113403AEB1D}" presName="child" presStyleLbl="alignAccFollowNode1" presStyleIdx="0" presStyleCnt="9">
@@ -1423,10 +1437,24 @@
         </dgm:presLayoutVars>
       </dgm:prSet>
       <dgm:spPr/>
+      <dgm:t>
+        <a:bodyPr/>
+        <a:lstStyle/>
+        <a:p>
+          <a:endParaRPr lang="pl-PL"/>
+        </a:p>
+      </dgm:t>
     </dgm:pt>
     <dgm:pt modelId="{D96D83C8-EF77-4B32-BF7F-C96CA1FDDC82}" type="pres">
       <dgm:prSet presAssocID="{9DA0514A-CA2C-4C26-BABB-DB1E57287AE6}" presName="sibTrans" presStyleLbl="sibTrans2D1" presStyleIdx="1" presStyleCnt="9"/>
       <dgm:spPr/>
+      <dgm:t>
+        <a:bodyPr/>
+        <a:lstStyle/>
+        <a:p>
+          <a:endParaRPr lang="pl-PL"/>
+        </a:p>
+      </dgm:t>
     </dgm:pt>
     <dgm:pt modelId="{6777E287-51F6-4E2F-A8D8-256670C51522}" type="pres">
       <dgm:prSet presAssocID="{3979EEE9-CA8A-4D58-A18E-936EAF30EC13}" presName="child" presStyleLbl="alignAccFollowNode1" presStyleIdx="1" presStyleCnt="9" custLinFactNeighborX="-143" custLinFactNeighborY="-19291">
@@ -1447,6 +1475,13 @@
     <dgm:pt modelId="{A5237024-5588-457F-9971-C14A2348CD3E}" type="pres">
       <dgm:prSet presAssocID="{BEBE4B4E-2695-41FD-9D93-ED53A776753D}" presName="sibTrans" presStyleLbl="sibTrans2D1" presStyleIdx="2" presStyleCnt="9"/>
       <dgm:spPr/>
+      <dgm:t>
+        <a:bodyPr/>
+        <a:lstStyle/>
+        <a:p>
+          <a:endParaRPr lang="pl-PL"/>
+        </a:p>
+      </dgm:t>
     </dgm:pt>
     <dgm:pt modelId="{F9244871-E6A0-425B-90B0-685F1CE44435}" type="pres">
       <dgm:prSet presAssocID="{BC39EFC3-B9E0-4AED-91E0-EEAB16D0252A}" presName="child" presStyleLbl="alignAccFollowNode1" presStyleIdx="2" presStyleCnt="9">
@@ -1475,10 +1510,24 @@
     <dgm:pt modelId="{DD9E22AD-6371-4B3F-9170-FFB295A08FEA}" type="pres">
       <dgm:prSet presAssocID="{9C7B6516-1600-44F0-9E6E-7D0B170C10AD}" presName="header" presStyleLbl="node1" presStyleIdx="1" presStyleCnt="4"/>
       <dgm:spPr/>
+      <dgm:t>
+        <a:bodyPr/>
+        <a:lstStyle/>
+        <a:p>
+          <a:endParaRPr lang="pl-PL"/>
+        </a:p>
+      </dgm:t>
     </dgm:pt>
     <dgm:pt modelId="{6324E851-9222-4AF4-A958-37B308AC1707}" type="pres">
       <dgm:prSet presAssocID="{6FF5EB1F-8787-42E7-99A3-115A94ED6840}" presName="parTrans" presStyleLbl="sibTrans2D1" presStyleIdx="3" presStyleCnt="9"/>
       <dgm:spPr/>
+      <dgm:t>
+        <a:bodyPr/>
+        <a:lstStyle/>
+        <a:p>
+          <a:endParaRPr lang="pl-PL"/>
+        </a:p>
+      </dgm:t>
     </dgm:pt>
     <dgm:pt modelId="{A6B007F1-DD38-4BB5-9EE5-B3DDEC1CDA3B}" type="pres">
       <dgm:prSet presAssocID="{242D6CD4-E8A6-41D2-842B-681CFD498D1D}" presName="child" presStyleLbl="alignAccFollowNode1" presStyleIdx="3" presStyleCnt="9">
@@ -1499,6 +1548,13 @@
     <dgm:pt modelId="{E07B78CC-FE6D-4ACB-B0B8-791C5BE84690}" type="pres">
       <dgm:prSet presAssocID="{2BE5C6C6-7005-42D0-9A16-66272348DD4D}" presName="sibTrans" presStyleLbl="sibTrans2D1" presStyleIdx="4" presStyleCnt="9"/>
       <dgm:spPr/>
+      <dgm:t>
+        <a:bodyPr/>
+        <a:lstStyle/>
+        <a:p>
+          <a:endParaRPr lang="pl-PL"/>
+        </a:p>
+      </dgm:t>
     </dgm:pt>
     <dgm:pt modelId="{9CFE26B2-51E6-4F7D-86C1-48C94F9E25CE}" type="pres">
       <dgm:prSet presAssocID="{3F485010-7AF6-492B-A2C3-7A2F1701DA1B}" presName="child" presStyleLbl="alignAccFollowNode1" presStyleIdx="4" presStyleCnt="9">
@@ -1527,10 +1583,24 @@
     <dgm:pt modelId="{1DB08D0A-FFD7-437A-BBEB-6C1702F22F8C}" type="pres">
       <dgm:prSet presAssocID="{EDA1A606-AEFF-4008-8383-8C49C2669AFD}" presName="header" presStyleLbl="node1" presStyleIdx="2" presStyleCnt="4"/>
       <dgm:spPr/>
+      <dgm:t>
+        <a:bodyPr/>
+        <a:lstStyle/>
+        <a:p>
+          <a:endParaRPr lang="pl-PL"/>
+        </a:p>
+      </dgm:t>
     </dgm:pt>
     <dgm:pt modelId="{BC0ABDFF-DBBE-4443-BF08-3A3E391DF400}" type="pres">
       <dgm:prSet presAssocID="{FBADE734-0303-4EB1-9BF6-9C85C894DC32}" presName="parTrans" presStyleLbl="sibTrans2D1" presStyleIdx="5" presStyleCnt="9"/>
       <dgm:spPr/>
+      <dgm:t>
+        <a:bodyPr/>
+        <a:lstStyle/>
+        <a:p>
+          <a:endParaRPr lang="pl-PL"/>
+        </a:p>
+      </dgm:t>
     </dgm:pt>
     <dgm:pt modelId="{8DEB17C4-80FC-4069-9D15-1266E4F9258B}" type="pres">
       <dgm:prSet presAssocID="{A1498D3D-3E28-4480-AC9C-274E7A14F57B}" presName="child" presStyleLbl="alignAccFollowNode1" presStyleIdx="5" presStyleCnt="9">
@@ -1551,6 +1621,13 @@
     <dgm:pt modelId="{7E723C55-2EDF-4B76-BB9A-C10322449D8E}" type="pres">
       <dgm:prSet presAssocID="{87928293-A20E-45A4-9B3C-9DD2EB14C06F}" presName="sibTrans" presStyleLbl="sibTrans2D1" presStyleIdx="6" presStyleCnt="9"/>
       <dgm:spPr/>
+      <dgm:t>
+        <a:bodyPr/>
+        <a:lstStyle/>
+        <a:p>
+          <a:endParaRPr lang="pl-PL"/>
+        </a:p>
+      </dgm:t>
     </dgm:pt>
     <dgm:pt modelId="{92D77EE9-131B-49BF-A8C1-B173020A6EF4}" type="pres">
       <dgm:prSet presAssocID="{48B20F6C-9D3C-4531-AC16-03833F6A4233}" presName="child" presStyleLbl="alignAccFollowNode1" presStyleIdx="6" presStyleCnt="9">
@@ -1579,10 +1656,24 @@
     <dgm:pt modelId="{CFB751E2-E468-4D53-AD8B-7A1C1C0861C6}" type="pres">
       <dgm:prSet presAssocID="{8672810A-9E3C-46F0-8EBA-A295720AE14D}" presName="header" presStyleLbl="node1" presStyleIdx="3" presStyleCnt="4" custLinFactNeighborX="198" custLinFactNeighborY="-4014"/>
       <dgm:spPr/>
+      <dgm:t>
+        <a:bodyPr/>
+        <a:lstStyle/>
+        <a:p>
+          <a:endParaRPr lang="pl-PL"/>
+        </a:p>
+      </dgm:t>
     </dgm:pt>
     <dgm:pt modelId="{EAA06307-7962-4589-9B50-01960BD40E19}" type="pres">
       <dgm:prSet presAssocID="{1075EEA8-B5A3-4257-B46A-9B282208FA1E}" presName="parTrans" presStyleLbl="sibTrans2D1" presStyleIdx="7" presStyleCnt="9"/>
       <dgm:spPr/>
+      <dgm:t>
+        <a:bodyPr/>
+        <a:lstStyle/>
+        <a:p>
+          <a:endParaRPr lang="pl-PL"/>
+        </a:p>
+      </dgm:t>
     </dgm:pt>
     <dgm:pt modelId="{E2B401D1-4990-448A-81BA-522988E09BAB}" type="pres">
       <dgm:prSet presAssocID="{9B562032-05DD-43D3-BAFA-3FDA21C430DF}" presName="child" presStyleLbl="alignAccFollowNode1" presStyleIdx="7" presStyleCnt="9">
@@ -1603,6 +1694,13 @@
     <dgm:pt modelId="{B2C9C263-80E9-4E4D-9B69-59CDE2BD6E7A}" type="pres">
       <dgm:prSet presAssocID="{23038860-8AF3-4EBF-A08C-867C252CFAD1}" presName="sibTrans" presStyleLbl="sibTrans2D1" presStyleIdx="8" presStyleCnt="9"/>
       <dgm:spPr/>
+      <dgm:t>
+        <a:bodyPr/>
+        <a:lstStyle/>
+        <a:p>
+          <a:endParaRPr lang="pl-PL"/>
+        </a:p>
+      </dgm:t>
     </dgm:pt>
     <dgm:pt modelId="{5A373A23-817F-4F43-8A8C-3F29D2BB1C70}" type="pres">
       <dgm:prSet presAssocID="{F7DA3246-FB20-4C37-997D-4A16A6B34E38}" presName="child" presStyleLbl="alignAccFollowNode1" presStyleIdx="8" presStyleCnt="9">
@@ -1612,45 +1710,52 @@
         </dgm:presLayoutVars>
       </dgm:prSet>
       <dgm:spPr/>
+      <dgm:t>
+        <a:bodyPr/>
+        <a:lstStyle/>
+        <a:p>
+          <a:endParaRPr lang="pl-PL"/>
+        </a:p>
+      </dgm:t>
     </dgm:pt>
   </dgm:ptLst>
   <dgm:cxnLst>
+    <dgm:cxn modelId="{FFE0B36E-EDB0-468D-9562-D153F9FDA521}" srcId="{8672810A-9E3C-46F0-8EBA-A295720AE14D}" destId="{9B562032-05DD-43D3-BAFA-3FDA21C430DF}" srcOrd="0" destOrd="0" parTransId="{1075EEA8-B5A3-4257-B46A-9B282208FA1E}" sibTransId="{23038860-8AF3-4EBF-A08C-867C252CFAD1}"/>
+    <dgm:cxn modelId="{429CEA89-8D3A-45ED-8466-398A031BF6BB}" type="presOf" srcId="{1075EEA8-B5A3-4257-B46A-9B282208FA1E}" destId="{EAA06307-7962-4589-9B50-01960BD40E19}" srcOrd="0" destOrd="0" presId="urn:microsoft.com/office/officeart/2005/8/layout/lProcess1"/>
+    <dgm:cxn modelId="{E68524C6-B501-4655-9D00-A719116E8066}" type="presOf" srcId="{6FF5EB1F-8787-42E7-99A3-115A94ED6840}" destId="{6324E851-9222-4AF4-A958-37B308AC1707}" srcOrd="0" destOrd="0" presId="urn:microsoft.com/office/officeart/2005/8/layout/lProcess1"/>
+    <dgm:cxn modelId="{65641B32-3C0E-46C9-85EF-72BB29048CBD}" type="presOf" srcId="{6BAF4B16-1C37-4229-9105-EA9D9D59360D}" destId="{CF769632-FABC-4646-8CA6-5EC342DC1044}" srcOrd="0" destOrd="0" presId="urn:microsoft.com/office/officeart/2005/8/layout/lProcess1"/>
+    <dgm:cxn modelId="{AEA26307-EA58-42B4-894C-3D67D4B56397}" srcId="{9C7B6516-1600-44F0-9E6E-7D0B170C10AD}" destId="{3F485010-7AF6-492B-A2C3-7A2F1701DA1B}" srcOrd="1" destOrd="0" parTransId="{52F51069-05DD-4F31-8F33-1056664D886E}" sibTransId="{8462C8AE-2757-4C20-8B47-2C3CFFF5FFF1}"/>
+    <dgm:cxn modelId="{657F18A5-AEE3-400C-86BF-3D0C89E56F92}" srcId="{EDA1A606-AEFF-4008-8383-8C49C2669AFD}" destId="{A1498D3D-3E28-4480-AC9C-274E7A14F57B}" srcOrd="0" destOrd="0" parTransId="{FBADE734-0303-4EB1-9BF6-9C85C894DC32}" sibTransId="{87928293-A20E-45A4-9B3C-9DD2EB14C06F}"/>
+    <dgm:cxn modelId="{4920F174-5D6A-4371-834B-000FA2EB1FD7}" type="presOf" srcId="{23038860-8AF3-4EBF-A08C-867C252CFAD1}" destId="{B2C9C263-80E9-4E4D-9B69-59CDE2BD6E7A}" srcOrd="0" destOrd="0" presId="urn:microsoft.com/office/officeart/2005/8/layout/lProcess1"/>
+    <dgm:cxn modelId="{78DF9ADF-9580-4FCB-872A-8788663B6DCA}" type="presOf" srcId="{A1498D3D-3E28-4480-AC9C-274E7A14F57B}" destId="{8DEB17C4-80FC-4069-9D15-1266E4F9258B}" srcOrd="0" destOrd="0" presId="urn:microsoft.com/office/officeart/2005/8/layout/lProcess1"/>
+    <dgm:cxn modelId="{1CB26BF7-011D-4DC8-BE15-F9C5CD4F8C34}" srcId="{6BAF4B16-1C37-4229-9105-EA9D9D59360D}" destId="{BC39EFC3-B9E0-4AED-91E0-EEAB16D0252A}" srcOrd="2" destOrd="0" parTransId="{9E1DCE5B-0985-4DCF-A1DD-D025C38BD70C}" sibTransId="{9C2F7570-5B01-428A-A11D-A0C6B9489F0E}"/>
+    <dgm:cxn modelId="{83387591-348A-4732-A503-64D4B36AD52A}" type="presOf" srcId="{3F485010-7AF6-492B-A2C3-7A2F1701DA1B}" destId="{9CFE26B2-51E6-4F7D-86C1-48C94F9E25CE}" srcOrd="0" destOrd="0" presId="urn:microsoft.com/office/officeart/2005/8/layout/lProcess1"/>
+    <dgm:cxn modelId="{6C2EB10D-D20B-4E0B-ABB7-C4FA0C4C4AD6}" type="presOf" srcId="{E478DA1D-3F94-40D3-87CC-5826C019E292}" destId="{699098BC-7B75-4AEE-B308-287C522BCEEE}" srcOrd="0" destOrd="0" presId="urn:microsoft.com/office/officeart/2005/8/layout/lProcess1"/>
+    <dgm:cxn modelId="{3CE3CC21-DFB5-4920-9A68-CF51A1CB3DA4}" type="presOf" srcId="{242D6CD4-E8A6-41D2-842B-681CFD498D1D}" destId="{A6B007F1-DD38-4BB5-9EE5-B3DDEC1CDA3B}" srcOrd="0" destOrd="0" presId="urn:microsoft.com/office/officeart/2005/8/layout/lProcess1"/>
+    <dgm:cxn modelId="{6A269B34-1E2F-48E9-B62E-4606D66007A8}" type="presOf" srcId="{3979EEE9-CA8A-4D58-A18E-936EAF30EC13}" destId="{6777E287-51F6-4E2F-A8D8-256670C51522}" srcOrd="0" destOrd="0" presId="urn:microsoft.com/office/officeart/2005/8/layout/lProcess1"/>
+    <dgm:cxn modelId="{6D143509-CE3A-4119-9A3F-5FADB12271E0}" type="presOf" srcId="{FBADE734-0303-4EB1-9BF6-9C85C894DC32}" destId="{BC0ABDFF-DBBE-4443-BF08-3A3E391DF400}" srcOrd="0" destOrd="0" presId="urn:microsoft.com/office/officeart/2005/8/layout/lProcess1"/>
+    <dgm:cxn modelId="{5A9C409F-639E-4C28-81BF-1F59585044A4}" srcId="{E478DA1D-3F94-40D3-87CC-5826C019E292}" destId="{6BAF4B16-1C37-4229-9105-EA9D9D59360D}" srcOrd="0" destOrd="0" parTransId="{8738A7AA-2704-494E-ADBA-6C3947195756}" sibTransId="{BB779CFE-F596-49C9-A307-815CF879411D}"/>
+    <dgm:cxn modelId="{05A3E7A1-8BCA-4CB0-8EC7-0CBBF3DD4079}" srcId="{E478DA1D-3F94-40D3-87CC-5826C019E292}" destId="{EDA1A606-AEFF-4008-8383-8C49C2669AFD}" srcOrd="2" destOrd="0" parTransId="{7F895046-E32A-4CD3-961E-152F2AC195F1}" sibTransId="{A811874B-E3C6-49B9-994E-BD439129AD91}"/>
+    <dgm:cxn modelId="{BA1BA509-E709-4253-B3C9-402329057AB5}" type="presOf" srcId="{BEBE4B4E-2695-41FD-9D93-ED53A776753D}" destId="{A5237024-5588-457F-9971-C14A2348CD3E}" srcOrd="0" destOrd="0" presId="urn:microsoft.com/office/officeart/2005/8/layout/lProcess1"/>
+    <dgm:cxn modelId="{0F009340-191D-44B0-B877-B9533992322E}" type="presOf" srcId="{48B20F6C-9D3C-4531-AC16-03833F6A4233}" destId="{92D77EE9-131B-49BF-A8C1-B173020A6EF4}" srcOrd="0" destOrd="0" presId="urn:microsoft.com/office/officeart/2005/8/layout/lProcess1"/>
+    <dgm:cxn modelId="{7223A55E-5607-4989-8FDE-AB87FA5C32A4}" type="presOf" srcId="{F7DA3246-FB20-4C37-997D-4A16A6B34E38}" destId="{5A373A23-817F-4F43-8A8C-3F29D2BB1C70}" srcOrd="0" destOrd="0" presId="urn:microsoft.com/office/officeart/2005/8/layout/lProcess1"/>
+    <dgm:cxn modelId="{DE129E34-FB98-4F92-8F28-ED4BA442475A}" srcId="{E478DA1D-3F94-40D3-87CC-5826C019E292}" destId="{8672810A-9E3C-46F0-8EBA-A295720AE14D}" srcOrd="3" destOrd="0" parTransId="{FE84D570-A028-4D1B-9D5F-9D005BAE5204}" sibTransId="{1576F263-8EAA-4B80-A951-A633C9349EE2}"/>
+    <dgm:cxn modelId="{58BCD23C-85C2-406E-8226-C637BC9A3886}" type="presOf" srcId="{EDA1A606-AEFF-4008-8383-8C49C2669AFD}" destId="{1DB08D0A-FFD7-437A-BBEB-6C1702F22F8C}" srcOrd="0" destOrd="0" presId="urn:microsoft.com/office/officeart/2005/8/layout/lProcess1"/>
+    <dgm:cxn modelId="{C8AC0B2C-53DC-45C2-B743-07B90F9EAE77}" srcId="{6BAF4B16-1C37-4229-9105-EA9D9D59360D}" destId="{3979EEE9-CA8A-4D58-A18E-936EAF30EC13}" srcOrd="1" destOrd="0" parTransId="{7CEE937F-4DB3-4D31-881E-5930131616CE}" sibTransId="{BEBE4B4E-2695-41FD-9D93-ED53A776753D}"/>
+    <dgm:cxn modelId="{C6D3E1F6-0B9D-4A4A-BE02-262075988E7F}" type="presOf" srcId="{9B562032-05DD-43D3-BAFA-3FDA21C430DF}" destId="{E2B401D1-4990-448A-81BA-522988E09BAB}" srcOrd="0" destOrd="0" presId="urn:microsoft.com/office/officeart/2005/8/layout/lProcess1"/>
+    <dgm:cxn modelId="{7A2EA08C-D2B4-4393-9E2B-84903A4349A9}" srcId="{E478DA1D-3F94-40D3-87CC-5826C019E292}" destId="{9C7B6516-1600-44F0-9E6E-7D0B170C10AD}" srcOrd="1" destOrd="0" parTransId="{96EDE288-790D-48A3-A782-D9AA846EB4BE}" sibTransId="{CCE7A57E-B927-49EE-8302-86B66FA27D5A}"/>
+    <dgm:cxn modelId="{8FD3422A-5D05-4363-9ED9-78CB01EC90A4}" type="presOf" srcId="{8672810A-9E3C-46F0-8EBA-A295720AE14D}" destId="{CFB751E2-E468-4D53-AD8B-7A1C1C0861C6}" srcOrd="0" destOrd="0" presId="urn:microsoft.com/office/officeart/2005/8/layout/lProcess1"/>
     <dgm:cxn modelId="{49989EBA-3627-4930-89FB-54D120AA8EB4}" type="presOf" srcId="{9DA0514A-CA2C-4C26-BABB-DB1E57287AE6}" destId="{D96D83C8-EF77-4B32-BF7F-C96CA1FDDC82}" srcOrd="0" destOrd="0" presId="urn:microsoft.com/office/officeart/2005/8/layout/lProcess1"/>
+    <dgm:cxn modelId="{38B70B2E-E023-416A-9809-CA9F68BD0759}" type="presOf" srcId="{BC39EFC3-B9E0-4AED-91E0-EEAB16D0252A}" destId="{F9244871-E6A0-425B-90B0-685F1CE44435}" srcOrd="0" destOrd="0" presId="urn:microsoft.com/office/officeart/2005/8/layout/lProcess1"/>
+    <dgm:cxn modelId="{8ACC117C-0B57-4B7C-9301-340A87A9EF8E}" type="presOf" srcId="{2BE5C6C6-7005-42D0-9A16-66272348DD4D}" destId="{E07B78CC-FE6D-4ACB-B0B8-791C5BE84690}" srcOrd="0" destOrd="0" presId="urn:microsoft.com/office/officeart/2005/8/layout/lProcess1"/>
+    <dgm:cxn modelId="{04792555-B584-4394-B961-CB15EA1F02B3}" type="presOf" srcId="{9225F0D0-E709-4BD4-93A8-C4315062C2FA}" destId="{7DB796E6-E04F-4232-9F29-C22A001EE88C}" srcOrd="0" destOrd="0" presId="urn:microsoft.com/office/officeart/2005/8/layout/lProcess1"/>
+    <dgm:cxn modelId="{624776B2-C6A9-4319-907C-71D0D43B8A91}" type="presOf" srcId="{B0BA7A44-C5D2-4640-9C33-7113403AEB1D}" destId="{451D2536-E0F9-4991-B210-CD200A773B92}" srcOrd="0" destOrd="0" presId="urn:microsoft.com/office/officeart/2005/8/layout/lProcess1"/>
+    <dgm:cxn modelId="{E3DB666A-D363-49F1-A806-A0017B8C4BC3}" type="presOf" srcId="{87928293-A20E-45A4-9B3C-9DD2EB14C06F}" destId="{7E723C55-2EDF-4B76-BB9A-C10322449D8E}" srcOrd="0" destOrd="0" presId="urn:microsoft.com/office/officeart/2005/8/layout/lProcess1"/>
+    <dgm:cxn modelId="{EFAD0E6C-4A70-487A-98F4-FB402E5961D6}" srcId="{9C7B6516-1600-44F0-9E6E-7D0B170C10AD}" destId="{242D6CD4-E8A6-41D2-842B-681CFD498D1D}" srcOrd="0" destOrd="0" parTransId="{6FF5EB1F-8787-42E7-99A3-115A94ED6840}" sibTransId="{2BE5C6C6-7005-42D0-9A16-66272348DD4D}"/>
+    <dgm:cxn modelId="{13D40FE5-5467-4CE2-B9DF-8908310F360F}" type="presOf" srcId="{9C7B6516-1600-44F0-9E6E-7D0B170C10AD}" destId="{DD9E22AD-6371-4B3F-9170-FFB295A08FEA}" srcOrd="0" destOrd="0" presId="urn:microsoft.com/office/officeart/2005/8/layout/lProcess1"/>
     <dgm:cxn modelId="{5817AE86-62A9-493B-92F6-1092918AAFB2}" srcId="{6BAF4B16-1C37-4229-9105-EA9D9D59360D}" destId="{B0BA7A44-C5D2-4640-9C33-7113403AEB1D}" srcOrd="0" destOrd="0" parTransId="{9225F0D0-E709-4BD4-93A8-C4315062C2FA}" sibTransId="{9DA0514A-CA2C-4C26-BABB-DB1E57287AE6}"/>
-    <dgm:cxn modelId="{3CE3CC21-DFB5-4920-9A68-CF51A1CB3DA4}" type="presOf" srcId="{242D6CD4-E8A6-41D2-842B-681CFD498D1D}" destId="{A6B007F1-DD38-4BB5-9EE5-B3DDEC1CDA3B}" srcOrd="0" destOrd="0" presId="urn:microsoft.com/office/officeart/2005/8/layout/lProcess1"/>
-    <dgm:cxn modelId="{E68524C6-B501-4655-9D00-A719116E8066}" type="presOf" srcId="{6FF5EB1F-8787-42E7-99A3-115A94ED6840}" destId="{6324E851-9222-4AF4-A958-37B308AC1707}" srcOrd="0" destOrd="0" presId="urn:microsoft.com/office/officeart/2005/8/layout/lProcess1"/>
-    <dgm:cxn modelId="{429CEA89-8D3A-45ED-8466-398A031BF6BB}" type="presOf" srcId="{1075EEA8-B5A3-4257-B46A-9B282208FA1E}" destId="{EAA06307-7962-4589-9B50-01960BD40E19}" srcOrd="0" destOrd="0" presId="urn:microsoft.com/office/officeart/2005/8/layout/lProcess1"/>
-    <dgm:cxn modelId="{04792555-B584-4394-B961-CB15EA1F02B3}" type="presOf" srcId="{9225F0D0-E709-4BD4-93A8-C4315062C2FA}" destId="{7DB796E6-E04F-4232-9F29-C22A001EE88C}" srcOrd="0" destOrd="0" presId="urn:microsoft.com/office/officeart/2005/8/layout/lProcess1"/>
-    <dgm:cxn modelId="{65641B32-3C0E-46C9-85EF-72BB29048CBD}" type="presOf" srcId="{6BAF4B16-1C37-4229-9105-EA9D9D59360D}" destId="{CF769632-FABC-4646-8CA6-5EC342DC1044}" srcOrd="0" destOrd="0" presId="urn:microsoft.com/office/officeart/2005/8/layout/lProcess1"/>
-    <dgm:cxn modelId="{BA1BA509-E709-4253-B3C9-402329057AB5}" type="presOf" srcId="{BEBE4B4E-2695-41FD-9D93-ED53A776753D}" destId="{A5237024-5588-457F-9971-C14A2348CD3E}" srcOrd="0" destOrd="0" presId="urn:microsoft.com/office/officeart/2005/8/layout/lProcess1"/>
-    <dgm:cxn modelId="{8FD3422A-5D05-4363-9ED9-78CB01EC90A4}" type="presOf" srcId="{8672810A-9E3C-46F0-8EBA-A295720AE14D}" destId="{CFB751E2-E468-4D53-AD8B-7A1C1C0861C6}" srcOrd="0" destOrd="0" presId="urn:microsoft.com/office/officeart/2005/8/layout/lProcess1"/>
-    <dgm:cxn modelId="{1CB26BF7-011D-4DC8-BE15-F9C5CD4F8C34}" srcId="{6BAF4B16-1C37-4229-9105-EA9D9D59360D}" destId="{BC39EFC3-B9E0-4AED-91E0-EEAB16D0252A}" srcOrd="2" destOrd="0" parTransId="{9E1DCE5B-0985-4DCF-A1DD-D025C38BD70C}" sibTransId="{9C2F7570-5B01-428A-A11D-A0C6B9489F0E}"/>
-    <dgm:cxn modelId="{657F18A5-AEE3-400C-86BF-3D0C89E56F92}" srcId="{EDA1A606-AEFF-4008-8383-8C49C2669AFD}" destId="{A1498D3D-3E28-4480-AC9C-274E7A14F57B}" srcOrd="0" destOrd="0" parTransId="{FBADE734-0303-4EB1-9BF6-9C85C894DC32}" sibTransId="{87928293-A20E-45A4-9B3C-9DD2EB14C06F}"/>
-    <dgm:cxn modelId="{5A9C409F-639E-4C28-81BF-1F59585044A4}" srcId="{E478DA1D-3F94-40D3-87CC-5826C019E292}" destId="{6BAF4B16-1C37-4229-9105-EA9D9D59360D}" srcOrd="0" destOrd="0" parTransId="{8738A7AA-2704-494E-ADBA-6C3947195756}" sibTransId="{BB779CFE-F596-49C9-A307-815CF879411D}"/>
-    <dgm:cxn modelId="{C6D3E1F6-0B9D-4A4A-BE02-262075988E7F}" type="presOf" srcId="{9B562032-05DD-43D3-BAFA-3FDA21C430DF}" destId="{E2B401D1-4990-448A-81BA-522988E09BAB}" srcOrd="0" destOrd="0" presId="urn:microsoft.com/office/officeart/2005/8/layout/lProcess1"/>
-    <dgm:cxn modelId="{AEA26307-EA58-42B4-894C-3D67D4B56397}" srcId="{9C7B6516-1600-44F0-9E6E-7D0B170C10AD}" destId="{3F485010-7AF6-492B-A2C3-7A2F1701DA1B}" srcOrd="1" destOrd="0" parTransId="{52F51069-05DD-4F31-8F33-1056664D886E}" sibTransId="{8462C8AE-2757-4C20-8B47-2C3CFFF5FFF1}"/>
-    <dgm:cxn modelId="{E3DB666A-D363-49F1-A806-A0017B8C4BC3}" type="presOf" srcId="{87928293-A20E-45A4-9B3C-9DD2EB14C06F}" destId="{7E723C55-2EDF-4B76-BB9A-C10322449D8E}" srcOrd="0" destOrd="0" presId="urn:microsoft.com/office/officeart/2005/8/layout/lProcess1"/>
-    <dgm:cxn modelId="{8ACC117C-0B57-4B7C-9301-340A87A9EF8E}" type="presOf" srcId="{2BE5C6C6-7005-42D0-9A16-66272348DD4D}" destId="{E07B78CC-FE6D-4ACB-B0B8-791C5BE84690}" srcOrd="0" destOrd="0" presId="urn:microsoft.com/office/officeart/2005/8/layout/lProcess1"/>
-    <dgm:cxn modelId="{0F009340-191D-44B0-B877-B9533992322E}" type="presOf" srcId="{48B20F6C-9D3C-4531-AC16-03833F6A4233}" destId="{92D77EE9-131B-49BF-A8C1-B173020A6EF4}" srcOrd="0" destOrd="0" presId="urn:microsoft.com/office/officeart/2005/8/layout/lProcess1"/>
-    <dgm:cxn modelId="{38B70B2E-E023-416A-9809-CA9F68BD0759}" type="presOf" srcId="{BC39EFC3-B9E0-4AED-91E0-EEAB16D0252A}" destId="{F9244871-E6A0-425B-90B0-685F1CE44435}" srcOrd="0" destOrd="0" presId="urn:microsoft.com/office/officeart/2005/8/layout/lProcess1"/>
-    <dgm:cxn modelId="{05A3E7A1-8BCA-4CB0-8EC7-0CBBF3DD4079}" srcId="{E478DA1D-3F94-40D3-87CC-5826C019E292}" destId="{EDA1A606-AEFF-4008-8383-8C49C2669AFD}" srcOrd="2" destOrd="0" parTransId="{7F895046-E32A-4CD3-961E-152F2AC195F1}" sibTransId="{A811874B-E3C6-49B9-994E-BD439129AD91}"/>
-    <dgm:cxn modelId="{DE129E34-FB98-4F92-8F28-ED4BA442475A}" srcId="{E478DA1D-3F94-40D3-87CC-5826C019E292}" destId="{8672810A-9E3C-46F0-8EBA-A295720AE14D}" srcOrd="3" destOrd="0" parTransId="{FE84D570-A028-4D1B-9D5F-9D005BAE5204}" sibTransId="{1576F263-8EAA-4B80-A951-A633C9349EE2}"/>
-    <dgm:cxn modelId="{7223A55E-5607-4989-8FDE-AB87FA5C32A4}" type="presOf" srcId="{F7DA3246-FB20-4C37-997D-4A16A6B34E38}" destId="{5A373A23-817F-4F43-8A8C-3F29D2BB1C70}" srcOrd="0" destOrd="0" presId="urn:microsoft.com/office/officeart/2005/8/layout/lProcess1"/>
-    <dgm:cxn modelId="{78DF9ADF-9580-4FCB-872A-8788663B6DCA}" type="presOf" srcId="{A1498D3D-3E28-4480-AC9C-274E7A14F57B}" destId="{8DEB17C4-80FC-4069-9D15-1266E4F9258B}" srcOrd="0" destOrd="0" presId="urn:microsoft.com/office/officeart/2005/8/layout/lProcess1"/>
-    <dgm:cxn modelId="{83387591-348A-4732-A503-64D4B36AD52A}" type="presOf" srcId="{3F485010-7AF6-492B-A2C3-7A2F1701DA1B}" destId="{9CFE26B2-51E6-4F7D-86C1-48C94F9E25CE}" srcOrd="0" destOrd="0" presId="urn:microsoft.com/office/officeart/2005/8/layout/lProcess1"/>
     <dgm:cxn modelId="{06F6BFD4-1877-48DC-8481-6BD49F7A7745}" srcId="{8672810A-9E3C-46F0-8EBA-A295720AE14D}" destId="{F7DA3246-FB20-4C37-997D-4A16A6B34E38}" srcOrd="1" destOrd="0" parTransId="{45CB0FEA-A0BD-4F73-8D80-B577A9F4502B}" sibTransId="{2AE756CE-E000-46F2-B2BD-269D15617EE3}"/>
-    <dgm:cxn modelId="{624776B2-C6A9-4319-907C-71D0D43B8A91}" type="presOf" srcId="{B0BA7A44-C5D2-4640-9C33-7113403AEB1D}" destId="{451D2536-E0F9-4991-B210-CD200A773B92}" srcOrd="0" destOrd="0" presId="urn:microsoft.com/office/officeart/2005/8/layout/lProcess1"/>
-    <dgm:cxn modelId="{4920F174-5D6A-4371-834B-000FA2EB1FD7}" type="presOf" srcId="{23038860-8AF3-4EBF-A08C-867C252CFAD1}" destId="{B2C9C263-80E9-4E4D-9B69-59CDE2BD6E7A}" srcOrd="0" destOrd="0" presId="urn:microsoft.com/office/officeart/2005/8/layout/lProcess1"/>
-    <dgm:cxn modelId="{C8AC0B2C-53DC-45C2-B743-07B90F9EAE77}" srcId="{6BAF4B16-1C37-4229-9105-EA9D9D59360D}" destId="{3979EEE9-CA8A-4D58-A18E-936EAF30EC13}" srcOrd="1" destOrd="0" parTransId="{7CEE937F-4DB3-4D31-881E-5930131616CE}" sibTransId="{BEBE4B4E-2695-41FD-9D93-ED53A776753D}"/>
-    <dgm:cxn modelId="{58BCD23C-85C2-406E-8226-C637BC9A3886}" type="presOf" srcId="{EDA1A606-AEFF-4008-8383-8C49C2669AFD}" destId="{1DB08D0A-FFD7-437A-BBEB-6C1702F22F8C}" srcOrd="0" destOrd="0" presId="urn:microsoft.com/office/officeart/2005/8/layout/lProcess1"/>
-    <dgm:cxn modelId="{6A269B34-1E2F-48E9-B62E-4606D66007A8}" type="presOf" srcId="{3979EEE9-CA8A-4D58-A18E-936EAF30EC13}" destId="{6777E287-51F6-4E2F-A8D8-256670C51522}" srcOrd="0" destOrd="0" presId="urn:microsoft.com/office/officeart/2005/8/layout/lProcess1"/>
-    <dgm:cxn modelId="{6C2EB10D-D20B-4E0B-ABB7-C4FA0C4C4AD6}" type="presOf" srcId="{E478DA1D-3F94-40D3-87CC-5826C019E292}" destId="{699098BC-7B75-4AEE-B308-287C522BCEEE}" srcOrd="0" destOrd="0" presId="urn:microsoft.com/office/officeart/2005/8/layout/lProcess1"/>
     <dgm:cxn modelId="{B1F23982-0A06-4B17-8030-7C50FD99D049}" srcId="{EDA1A606-AEFF-4008-8383-8C49C2669AFD}" destId="{48B20F6C-9D3C-4531-AC16-03833F6A4233}" srcOrd="1" destOrd="0" parTransId="{DBC777F1-1616-4E9D-A3AB-1C93037D674D}" sibTransId="{92FAB5F8-88D4-4E56-A22B-98C3321B5F06}"/>
-    <dgm:cxn modelId="{7A2EA08C-D2B4-4393-9E2B-84903A4349A9}" srcId="{E478DA1D-3F94-40D3-87CC-5826C019E292}" destId="{9C7B6516-1600-44F0-9E6E-7D0B170C10AD}" srcOrd="1" destOrd="0" parTransId="{96EDE288-790D-48A3-A782-D9AA846EB4BE}" sibTransId="{CCE7A57E-B927-49EE-8302-86B66FA27D5A}"/>
-    <dgm:cxn modelId="{FFE0B36E-EDB0-468D-9562-D153F9FDA521}" srcId="{8672810A-9E3C-46F0-8EBA-A295720AE14D}" destId="{9B562032-05DD-43D3-BAFA-3FDA21C430DF}" srcOrd="0" destOrd="0" parTransId="{1075EEA8-B5A3-4257-B46A-9B282208FA1E}" sibTransId="{23038860-8AF3-4EBF-A08C-867C252CFAD1}"/>
-    <dgm:cxn modelId="{13D40FE5-5467-4CE2-B9DF-8908310F360F}" type="presOf" srcId="{9C7B6516-1600-44F0-9E6E-7D0B170C10AD}" destId="{DD9E22AD-6371-4B3F-9170-FFB295A08FEA}" srcOrd="0" destOrd="0" presId="urn:microsoft.com/office/officeart/2005/8/layout/lProcess1"/>
-    <dgm:cxn modelId="{EFAD0E6C-4A70-487A-98F4-FB402E5961D6}" srcId="{9C7B6516-1600-44F0-9E6E-7D0B170C10AD}" destId="{242D6CD4-E8A6-41D2-842B-681CFD498D1D}" srcOrd="0" destOrd="0" parTransId="{6FF5EB1F-8787-42E7-99A3-115A94ED6840}" sibTransId="{2BE5C6C6-7005-42D0-9A16-66272348DD4D}"/>
-    <dgm:cxn modelId="{6D143509-CE3A-4119-9A3F-5FADB12271E0}" type="presOf" srcId="{FBADE734-0303-4EB1-9BF6-9C85C894DC32}" destId="{BC0ABDFF-DBBE-4443-BF08-3A3E391DF400}" srcOrd="0" destOrd="0" presId="urn:microsoft.com/office/officeart/2005/8/layout/lProcess1"/>
     <dgm:cxn modelId="{9D3960CD-F14F-4C7B-BEB4-EC20D3B319AE}" type="presParOf" srcId="{699098BC-7B75-4AEE-B308-287C522BCEEE}" destId="{AAF46C2B-06E5-4873-BBC9-1131C48D4317}" srcOrd="0" destOrd="0" presId="urn:microsoft.com/office/officeart/2005/8/layout/lProcess1"/>
     <dgm:cxn modelId="{1A8960F7-3240-4C12-9D69-C4EDF3DF82FF}" type="presParOf" srcId="{AAF46C2B-06E5-4873-BBC9-1131C48D4317}" destId="{CF769632-FABC-4646-8CA6-5EC342DC1044}" srcOrd="0" destOrd="0" presId="urn:microsoft.com/office/officeart/2005/8/layout/lProcess1"/>
     <dgm:cxn modelId="{4F096F30-3CBC-4BC3-BDCB-753565EAA52C}" type="presParOf" srcId="{AAF46C2B-06E5-4873-BBC9-1131C48D4317}" destId="{7DB796E6-E04F-4232-9F29-C22A001EE88C}" srcOrd="1" destOrd="0" presId="urn:microsoft.com/office/officeart/2005/8/layout/lProcess1"/>
@@ -1699,1469 +1804,6 @@
       <dsp:cNvGrpSpPr/>
     </dsp:nvGrpSpPr>
     <dsp:grpSpPr/>
-    <dsp:sp modelId="{CF769632-FABC-4646-8CA6-5EC342DC1044}">
-      <dsp:nvSpPr>
-        <dsp:cNvPr id="0" name=""/>
-        <dsp:cNvSpPr/>
-      </dsp:nvSpPr>
-      <dsp:spPr>
-        <a:xfrm>
-          <a:off x="4095" y="828853"/>
-          <a:ext cx="2066925" cy="516731"/>
-        </a:xfrm>
-        <a:prstGeom prst="roundRect">
-          <a:avLst>
-            <a:gd name="adj" fmla="val 10000"/>
-          </a:avLst>
-        </a:prstGeom>
-        <a:solidFill>
-          <a:schemeClr val="accent1">
-            <a:hueOff val="0"/>
-            <a:satOff val="0"/>
-            <a:lumOff val="0"/>
-            <a:alphaOff val="0"/>
-          </a:schemeClr>
-        </a:solidFill>
-        <a:ln w="12700" cap="flat" cmpd="sng" algn="ctr">
-          <a:solidFill>
-            <a:schemeClr val="lt1">
-              <a:hueOff val="0"/>
-              <a:satOff val="0"/>
-              <a:lumOff val="0"/>
-              <a:alphaOff val="0"/>
-            </a:schemeClr>
-          </a:solidFill>
-          <a:prstDash val="solid"/>
-          <a:miter lim="800000"/>
-        </a:ln>
-        <a:effectLst/>
-      </dsp:spPr>
-      <dsp:style>
-        <a:lnRef idx="2">
-          <a:scrgbClr r="0" g="0" b="0"/>
-        </a:lnRef>
-        <a:fillRef idx="1">
-          <a:scrgbClr r="0" g="0" b="0"/>
-        </a:fillRef>
-        <a:effectRef idx="0">
-          <a:scrgbClr r="0" g="0" b="0"/>
-        </a:effectRef>
-        <a:fontRef idx="minor">
-          <a:schemeClr val="lt1"/>
-        </a:fontRef>
-      </dsp:style>
-      <dsp:txBody>
-        <a:bodyPr spcFirstLastPara="0" vert="horz" wrap="square" lIns="36830" tIns="36830" rIns="36830" bIns="36830" numCol="1" spcCol="1270" anchor="ctr" anchorCtr="0">
-          <a:noAutofit/>
-        </a:bodyPr>
-        <a:lstStyle/>
-        <a:p>
-          <a:pPr lvl="0" algn="ctr" defTabSz="1289050">
-            <a:lnSpc>
-              <a:spcPct val="90000"/>
-            </a:lnSpc>
-            <a:spcBef>
-              <a:spcPct val="0"/>
-            </a:spcBef>
-            <a:spcAft>
-              <a:spcPct val="35000"/>
-            </a:spcAft>
-          </a:pPr>
-          <a:r>
-            <a:rPr lang="pl-PL" sz="2900" kern="1200" dirty="0" smtClean="0"/>
-            <a:t>Sprint 1</a:t>
-          </a:r>
-          <a:endParaRPr lang="pl-PL" sz="2900" kern="1200" dirty="0"/>
-        </a:p>
-      </dsp:txBody>
-      <dsp:txXfrm>
-        <a:off x="19230" y="843988"/>
-        <a:ext cx="2036655" cy="486461"/>
-      </dsp:txXfrm>
-    </dsp:sp>
-    <dsp:sp modelId="{7DB796E6-E04F-4232-9F29-C22A001EE88C}">
-      <dsp:nvSpPr>
-        <dsp:cNvPr id="0" name=""/>
-        <dsp:cNvSpPr/>
-      </dsp:nvSpPr>
-      <dsp:spPr>
-        <a:xfrm rot="5400000">
-          <a:off x="992344" y="1390798"/>
-          <a:ext cx="90427" cy="90427"/>
-        </a:xfrm>
-        <a:prstGeom prst="rightArrow">
-          <a:avLst>
-            <a:gd name="adj1" fmla="val 66700"/>
-            <a:gd name="adj2" fmla="val 50000"/>
-          </a:avLst>
-        </a:prstGeom>
-        <a:solidFill>
-          <a:schemeClr val="accent1">
-            <a:tint val="60000"/>
-            <a:hueOff val="0"/>
-            <a:satOff val="0"/>
-            <a:lumOff val="0"/>
-            <a:alphaOff val="0"/>
-          </a:schemeClr>
-        </a:solidFill>
-        <a:ln>
-          <a:noFill/>
-        </a:ln>
-        <a:effectLst/>
-      </dsp:spPr>
-      <dsp:style>
-        <a:lnRef idx="0">
-          <a:scrgbClr r="0" g="0" b="0"/>
-        </a:lnRef>
-        <a:fillRef idx="1">
-          <a:scrgbClr r="0" g="0" b="0"/>
-        </a:fillRef>
-        <a:effectRef idx="0">
-          <a:scrgbClr r="0" g="0" b="0"/>
-        </a:effectRef>
-        <a:fontRef idx="minor">
-          <a:schemeClr val="lt1"/>
-        </a:fontRef>
-      </dsp:style>
-    </dsp:sp>
-    <dsp:sp modelId="{451D2536-E0F9-4991-B210-CD200A773B92}">
-      <dsp:nvSpPr>
-        <dsp:cNvPr id="0" name=""/>
-        <dsp:cNvSpPr/>
-      </dsp:nvSpPr>
-      <dsp:spPr>
-        <a:xfrm>
-          <a:off x="4095" y="1526440"/>
-          <a:ext cx="2066925" cy="516731"/>
-        </a:xfrm>
-        <a:prstGeom prst="roundRect">
-          <a:avLst>
-            <a:gd name="adj" fmla="val 10000"/>
-          </a:avLst>
-        </a:prstGeom>
-        <a:solidFill>
-          <a:schemeClr val="accent1">
-            <a:alpha val="90000"/>
-            <a:tint val="40000"/>
-            <a:hueOff val="0"/>
-            <a:satOff val="0"/>
-            <a:lumOff val="0"/>
-            <a:alphaOff val="0"/>
-          </a:schemeClr>
-        </a:solidFill>
-        <a:ln w="12700" cap="flat" cmpd="sng" algn="ctr">
-          <a:solidFill>
-            <a:schemeClr val="accent1">
-              <a:alpha val="90000"/>
-              <a:tint val="40000"/>
-              <a:hueOff val="0"/>
-              <a:satOff val="0"/>
-              <a:lumOff val="0"/>
-              <a:alphaOff val="0"/>
-            </a:schemeClr>
-          </a:solidFill>
-          <a:prstDash val="solid"/>
-          <a:miter lim="800000"/>
-        </a:ln>
-        <a:effectLst/>
-      </dsp:spPr>
-      <dsp:style>
-        <a:lnRef idx="2">
-          <a:scrgbClr r="0" g="0" b="0"/>
-        </a:lnRef>
-        <a:fillRef idx="1">
-          <a:scrgbClr r="0" g="0" b="0"/>
-        </a:fillRef>
-        <a:effectRef idx="0">
-          <a:scrgbClr r="0" g="0" b="0"/>
-        </a:effectRef>
-        <a:fontRef idx="minor"/>
-      </dsp:style>
-      <dsp:txBody>
-        <a:bodyPr spcFirstLastPara="0" vert="horz" wrap="square" lIns="19050" tIns="19050" rIns="19050" bIns="19050" numCol="1" spcCol="1270" anchor="ctr" anchorCtr="0">
-          <a:noAutofit/>
-        </a:bodyPr>
-        <a:lstStyle/>
-        <a:p>
-          <a:pPr lvl="0" algn="ctr" defTabSz="666750">
-            <a:lnSpc>
-              <a:spcPct val="90000"/>
-            </a:lnSpc>
-            <a:spcBef>
-              <a:spcPct val="0"/>
-            </a:spcBef>
-            <a:spcAft>
-              <a:spcPct val="35000"/>
-            </a:spcAft>
-          </a:pPr>
-          <a:r>
-            <a:rPr lang="pl-PL" sz="1500" kern="1200" dirty="0" smtClean="0"/>
-            <a:t>Prototy bez użycia kontrolera</a:t>
-          </a:r>
-          <a:endParaRPr lang="pl-PL" sz="1500" kern="1200" dirty="0"/>
-        </a:p>
-      </dsp:txBody>
-      <dsp:txXfrm>
-        <a:off x="19230" y="1541575"/>
-        <a:ext cx="2036655" cy="486461"/>
-      </dsp:txXfrm>
-    </dsp:sp>
-    <dsp:sp modelId="{D96D83C8-EF77-4B32-BF7F-C96CA1FDDC82}">
-      <dsp:nvSpPr>
-        <dsp:cNvPr id="0" name=""/>
-        <dsp:cNvSpPr/>
-      </dsp:nvSpPr>
-      <dsp:spPr>
-        <a:xfrm rot="5415333">
-          <a:off x="1008310" y="2070941"/>
-          <a:ext cx="55540" cy="90427"/>
-        </a:xfrm>
-        <a:prstGeom prst="rightArrow">
-          <a:avLst>
-            <a:gd name="adj1" fmla="val 66700"/>
-            <a:gd name="adj2" fmla="val 50000"/>
-          </a:avLst>
-        </a:prstGeom>
-        <a:solidFill>
-          <a:schemeClr val="accent1">
-            <a:tint val="60000"/>
-            <a:hueOff val="0"/>
-            <a:satOff val="0"/>
-            <a:lumOff val="0"/>
-            <a:alphaOff val="0"/>
-          </a:schemeClr>
-        </a:solidFill>
-        <a:ln>
-          <a:noFill/>
-        </a:ln>
-        <a:effectLst/>
-      </dsp:spPr>
-      <dsp:style>
-        <a:lnRef idx="0">
-          <a:scrgbClr r="0" g="0" b="0"/>
-        </a:lnRef>
-        <a:fillRef idx="1">
-          <a:scrgbClr r="0" g="0" b="0"/>
-        </a:fillRef>
-        <a:effectRef idx="0">
-          <a:scrgbClr r="0" g="0" b="0"/>
-        </a:effectRef>
-        <a:fontRef idx="minor">
-          <a:schemeClr val="lt1"/>
-        </a:fontRef>
-      </dsp:style>
-    </dsp:sp>
-    <dsp:sp modelId="{6777E287-51F6-4E2F-A8D8-256670C51522}">
-      <dsp:nvSpPr>
-        <dsp:cNvPr id="0" name=""/>
-        <dsp:cNvSpPr/>
-      </dsp:nvSpPr>
-      <dsp:spPr>
-        <a:xfrm>
-          <a:off x="1140" y="2189139"/>
-          <a:ext cx="2066925" cy="516731"/>
-        </a:xfrm>
-        <a:prstGeom prst="roundRect">
-          <a:avLst>
-            <a:gd name="adj" fmla="val 10000"/>
-          </a:avLst>
-        </a:prstGeom>
-        <a:solidFill>
-          <a:schemeClr val="accent1">
-            <a:alpha val="90000"/>
-            <a:tint val="40000"/>
-            <a:hueOff val="0"/>
-            <a:satOff val="0"/>
-            <a:lumOff val="0"/>
-            <a:alphaOff val="0"/>
-          </a:schemeClr>
-        </a:solidFill>
-        <a:ln w="12700" cap="flat" cmpd="sng" algn="ctr">
-          <a:solidFill>
-            <a:schemeClr val="accent1">
-              <a:alpha val="90000"/>
-              <a:tint val="40000"/>
-              <a:hueOff val="0"/>
-              <a:satOff val="0"/>
-              <a:lumOff val="0"/>
-              <a:alphaOff val="0"/>
-            </a:schemeClr>
-          </a:solidFill>
-          <a:prstDash val="solid"/>
-          <a:miter lim="800000"/>
-        </a:ln>
-        <a:effectLst/>
-      </dsp:spPr>
-      <dsp:style>
-        <a:lnRef idx="2">
-          <a:scrgbClr r="0" g="0" b="0"/>
-        </a:lnRef>
-        <a:fillRef idx="1">
-          <a:scrgbClr r="0" g="0" b="0"/>
-        </a:fillRef>
-        <a:effectRef idx="0">
-          <a:scrgbClr r="0" g="0" b="0"/>
-        </a:effectRef>
-        <a:fontRef idx="minor"/>
-      </dsp:style>
-      <dsp:txBody>
-        <a:bodyPr spcFirstLastPara="0" vert="horz" wrap="square" lIns="19050" tIns="19050" rIns="19050" bIns="19050" numCol="1" spcCol="1270" anchor="ctr" anchorCtr="0">
-          <a:noAutofit/>
-        </a:bodyPr>
-        <a:lstStyle/>
-        <a:p>
-          <a:pPr lvl="0" algn="ctr" defTabSz="666750">
-            <a:lnSpc>
-              <a:spcPct val="90000"/>
-            </a:lnSpc>
-            <a:spcBef>
-              <a:spcPct val="0"/>
-            </a:spcBef>
-            <a:spcAft>
-              <a:spcPct val="35000"/>
-            </a:spcAft>
-          </a:pPr>
-          <a:r>
-            <a:rPr lang="pl-PL" sz="1500" kern="1200" dirty="0" smtClean="0"/>
-            <a:t>Zapoznanie z kontrolerem</a:t>
-          </a:r>
-          <a:endParaRPr lang="pl-PL" sz="1500" kern="1200" dirty="0"/>
-        </a:p>
-      </dsp:txBody>
-      <dsp:txXfrm>
-        <a:off x="16275" y="2204274"/>
-        <a:ext cx="2036655" cy="486461"/>
-      </dsp:txXfrm>
-    </dsp:sp>
-    <dsp:sp modelId="{A5237024-5588-457F-9971-C14A2348CD3E}">
-      <dsp:nvSpPr>
-        <dsp:cNvPr id="0" name=""/>
-        <dsp:cNvSpPr/>
-      </dsp:nvSpPr>
-      <dsp:spPr>
-        <a:xfrm rot="5386128">
-          <a:off x="973421" y="2768528"/>
-          <a:ext cx="125318" cy="90427"/>
-        </a:xfrm>
-        <a:prstGeom prst="rightArrow">
-          <a:avLst>
-            <a:gd name="adj1" fmla="val 66700"/>
-            <a:gd name="adj2" fmla="val 50000"/>
-          </a:avLst>
-        </a:prstGeom>
-        <a:solidFill>
-          <a:schemeClr val="accent1">
-            <a:tint val="60000"/>
-            <a:hueOff val="0"/>
-            <a:satOff val="0"/>
-            <a:lumOff val="0"/>
-            <a:alphaOff val="0"/>
-          </a:schemeClr>
-        </a:solidFill>
-        <a:ln>
-          <a:noFill/>
-        </a:ln>
-        <a:effectLst/>
-      </dsp:spPr>
-      <dsp:style>
-        <a:lnRef idx="0">
-          <a:scrgbClr r="0" g="0" b="0"/>
-        </a:lnRef>
-        <a:fillRef idx="1">
-          <a:scrgbClr r="0" g="0" b="0"/>
-        </a:fillRef>
-        <a:effectRef idx="0">
-          <a:scrgbClr r="0" g="0" b="0"/>
-        </a:effectRef>
-        <a:fontRef idx="minor">
-          <a:schemeClr val="lt1"/>
-        </a:fontRef>
-      </dsp:style>
-    </dsp:sp>
-    <dsp:sp modelId="{F9244871-E6A0-425B-90B0-685F1CE44435}">
-      <dsp:nvSpPr>
-        <dsp:cNvPr id="0" name=""/>
-        <dsp:cNvSpPr/>
-      </dsp:nvSpPr>
-      <dsp:spPr>
-        <a:xfrm>
-          <a:off x="4095" y="2921615"/>
-          <a:ext cx="2066925" cy="516731"/>
-        </a:xfrm>
-        <a:prstGeom prst="roundRect">
-          <a:avLst>
-            <a:gd name="adj" fmla="val 10000"/>
-          </a:avLst>
-        </a:prstGeom>
-        <a:solidFill>
-          <a:schemeClr val="accent1">
-            <a:alpha val="90000"/>
-            <a:tint val="40000"/>
-            <a:hueOff val="0"/>
-            <a:satOff val="0"/>
-            <a:lumOff val="0"/>
-            <a:alphaOff val="0"/>
-          </a:schemeClr>
-        </a:solidFill>
-        <a:ln w="12700" cap="flat" cmpd="sng" algn="ctr">
-          <a:solidFill>
-            <a:schemeClr val="accent1">
-              <a:alpha val="90000"/>
-              <a:tint val="40000"/>
-              <a:hueOff val="0"/>
-              <a:satOff val="0"/>
-              <a:lumOff val="0"/>
-              <a:alphaOff val="0"/>
-            </a:schemeClr>
-          </a:solidFill>
-          <a:prstDash val="solid"/>
-          <a:miter lim="800000"/>
-        </a:ln>
-        <a:effectLst/>
-      </dsp:spPr>
-      <dsp:style>
-        <a:lnRef idx="2">
-          <a:scrgbClr r="0" g="0" b="0"/>
-        </a:lnRef>
-        <a:fillRef idx="1">
-          <a:scrgbClr r="0" g="0" b="0"/>
-        </a:fillRef>
-        <a:effectRef idx="0">
-          <a:scrgbClr r="0" g="0" b="0"/>
-        </a:effectRef>
-        <a:fontRef idx="minor"/>
-      </dsp:style>
-      <dsp:txBody>
-        <a:bodyPr spcFirstLastPara="0" vert="horz" wrap="square" lIns="19050" tIns="19050" rIns="19050" bIns="19050" numCol="1" spcCol="1270" anchor="ctr" anchorCtr="0">
-          <a:noAutofit/>
-        </a:bodyPr>
-        <a:lstStyle/>
-        <a:p>
-          <a:pPr lvl="0" algn="ctr" defTabSz="666750">
-            <a:lnSpc>
-              <a:spcPct val="90000"/>
-            </a:lnSpc>
-            <a:spcBef>
-              <a:spcPct val="0"/>
-            </a:spcBef>
-            <a:spcAft>
-              <a:spcPct val="35000"/>
-            </a:spcAft>
-          </a:pPr>
-          <a:r>
-            <a:rPr lang="pl-PL" sz="1500" kern="1200" dirty="0" smtClean="0"/>
-            <a:t>Definiowanie dozwolonych ruchów </a:t>
-          </a:r>
-          <a:endParaRPr lang="pl-PL" sz="1500" kern="1200" dirty="0"/>
-        </a:p>
-      </dsp:txBody>
-      <dsp:txXfrm>
-        <a:off x="19230" y="2936750"/>
-        <a:ext cx="2036655" cy="486461"/>
-      </dsp:txXfrm>
-    </dsp:sp>
-    <dsp:sp modelId="{DD9E22AD-6371-4B3F-9170-FFB295A08FEA}">
-      <dsp:nvSpPr>
-        <dsp:cNvPr id="0" name=""/>
-        <dsp:cNvSpPr/>
-      </dsp:nvSpPr>
-      <dsp:spPr>
-        <a:xfrm>
-          <a:off x="2360390" y="828853"/>
-          <a:ext cx="2066925" cy="516731"/>
-        </a:xfrm>
-        <a:prstGeom prst="roundRect">
-          <a:avLst>
-            <a:gd name="adj" fmla="val 10000"/>
-          </a:avLst>
-        </a:prstGeom>
-        <a:solidFill>
-          <a:schemeClr val="accent1">
-            <a:hueOff val="0"/>
-            <a:satOff val="0"/>
-            <a:lumOff val="0"/>
-            <a:alphaOff val="0"/>
-          </a:schemeClr>
-        </a:solidFill>
-        <a:ln w="12700" cap="flat" cmpd="sng" algn="ctr">
-          <a:solidFill>
-            <a:schemeClr val="lt1">
-              <a:hueOff val="0"/>
-              <a:satOff val="0"/>
-              <a:lumOff val="0"/>
-              <a:alphaOff val="0"/>
-            </a:schemeClr>
-          </a:solidFill>
-          <a:prstDash val="solid"/>
-          <a:miter lim="800000"/>
-        </a:ln>
-        <a:effectLst/>
-      </dsp:spPr>
-      <dsp:style>
-        <a:lnRef idx="2">
-          <a:scrgbClr r="0" g="0" b="0"/>
-        </a:lnRef>
-        <a:fillRef idx="1">
-          <a:scrgbClr r="0" g="0" b="0"/>
-        </a:fillRef>
-        <a:effectRef idx="0">
-          <a:scrgbClr r="0" g="0" b="0"/>
-        </a:effectRef>
-        <a:fontRef idx="minor">
-          <a:schemeClr val="lt1"/>
-        </a:fontRef>
-      </dsp:style>
-      <dsp:txBody>
-        <a:bodyPr spcFirstLastPara="0" vert="horz" wrap="square" lIns="36830" tIns="36830" rIns="36830" bIns="36830" numCol="1" spcCol="1270" anchor="ctr" anchorCtr="0">
-          <a:noAutofit/>
-        </a:bodyPr>
-        <a:lstStyle/>
-        <a:p>
-          <a:pPr lvl="0" algn="ctr" defTabSz="1289050">
-            <a:lnSpc>
-              <a:spcPct val="90000"/>
-            </a:lnSpc>
-            <a:spcBef>
-              <a:spcPct val="0"/>
-            </a:spcBef>
-            <a:spcAft>
-              <a:spcPct val="35000"/>
-            </a:spcAft>
-          </a:pPr>
-          <a:r>
-            <a:rPr lang="pl-PL" sz="2900" kern="1200" dirty="0" smtClean="0"/>
-            <a:t>Sprint 2</a:t>
-          </a:r>
-          <a:endParaRPr lang="pl-PL" sz="2900" kern="1200" dirty="0"/>
-        </a:p>
-      </dsp:txBody>
-      <dsp:txXfrm>
-        <a:off x="2375525" y="843988"/>
-        <a:ext cx="2036655" cy="486461"/>
-      </dsp:txXfrm>
-    </dsp:sp>
-    <dsp:sp modelId="{6324E851-9222-4AF4-A958-37B308AC1707}">
-      <dsp:nvSpPr>
-        <dsp:cNvPr id="0" name=""/>
-        <dsp:cNvSpPr/>
-      </dsp:nvSpPr>
-      <dsp:spPr>
-        <a:xfrm rot="5400000">
-          <a:off x="3348638" y="1390798"/>
-          <a:ext cx="90427" cy="90427"/>
-        </a:xfrm>
-        <a:prstGeom prst="rightArrow">
-          <a:avLst>
-            <a:gd name="adj1" fmla="val 66700"/>
-            <a:gd name="adj2" fmla="val 50000"/>
-          </a:avLst>
-        </a:prstGeom>
-        <a:solidFill>
-          <a:schemeClr val="accent1">
-            <a:tint val="60000"/>
-            <a:hueOff val="0"/>
-            <a:satOff val="0"/>
-            <a:lumOff val="0"/>
-            <a:alphaOff val="0"/>
-          </a:schemeClr>
-        </a:solidFill>
-        <a:ln>
-          <a:noFill/>
-        </a:ln>
-        <a:effectLst/>
-      </dsp:spPr>
-      <dsp:style>
-        <a:lnRef idx="0">
-          <a:scrgbClr r="0" g="0" b="0"/>
-        </a:lnRef>
-        <a:fillRef idx="1">
-          <a:scrgbClr r="0" g="0" b="0"/>
-        </a:fillRef>
-        <a:effectRef idx="0">
-          <a:scrgbClr r="0" g="0" b="0"/>
-        </a:effectRef>
-        <a:fontRef idx="minor">
-          <a:schemeClr val="lt1"/>
-        </a:fontRef>
-      </dsp:style>
-    </dsp:sp>
-    <dsp:sp modelId="{A6B007F1-DD38-4BB5-9EE5-B3DDEC1CDA3B}">
-      <dsp:nvSpPr>
-        <dsp:cNvPr id="0" name=""/>
-        <dsp:cNvSpPr/>
-      </dsp:nvSpPr>
-      <dsp:spPr>
-        <a:xfrm>
-          <a:off x="2360390" y="1526440"/>
-          <a:ext cx="2066925" cy="516731"/>
-        </a:xfrm>
-        <a:prstGeom prst="roundRect">
-          <a:avLst>
-            <a:gd name="adj" fmla="val 10000"/>
-          </a:avLst>
-        </a:prstGeom>
-        <a:solidFill>
-          <a:schemeClr val="accent1">
-            <a:alpha val="90000"/>
-            <a:tint val="40000"/>
-            <a:hueOff val="0"/>
-            <a:satOff val="0"/>
-            <a:lumOff val="0"/>
-            <a:alphaOff val="0"/>
-          </a:schemeClr>
-        </a:solidFill>
-        <a:ln w="12700" cap="flat" cmpd="sng" algn="ctr">
-          <a:solidFill>
-            <a:schemeClr val="accent1">
-              <a:alpha val="90000"/>
-              <a:tint val="40000"/>
-              <a:hueOff val="0"/>
-              <a:satOff val="0"/>
-              <a:lumOff val="0"/>
-              <a:alphaOff val="0"/>
-            </a:schemeClr>
-          </a:solidFill>
-          <a:prstDash val="solid"/>
-          <a:miter lim="800000"/>
-        </a:ln>
-        <a:effectLst/>
-      </dsp:spPr>
-      <dsp:style>
-        <a:lnRef idx="2">
-          <a:scrgbClr r="0" g="0" b="0"/>
-        </a:lnRef>
-        <a:fillRef idx="1">
-          <a:scrgbClr r="0" g="0" b="0"/>
-        </a:fillRef>
-        <a:effectRef idx="0">
-          <a:scrgbClr r="0" g="0" b="0"/>
-        </a:effectRef>
-        <a:fontRef idx="minor"/>
-      </dsp:style>
-      <dsp:txBody>
-        <a:bodyPr spcFirstLastPara="0" vert="horz" wrap="square" lIns="19050" tIns="19050" rIns="19050" bIns="19050" numCol="1" spcCol="1270" anchor="ctr" anchorCtr="0">
-          <a:noAutofit/>
-        </a:bodyPr>
-        <a:lstStyle/>
-        <a:p>
-          <a:pPr lvl="0" algn="ctr" defTabSz="666750">
-            <a:lnSpc>
-              <a:spcPct val="90000"/>
-            </a:lnSpc>
-            <a:spcBef>
-              <a:spcPct val="0"/>
-            </a:spcBef>
-            <a:spcAft>
-              <a:spcPct val="35000"/>
-            </a:spcAft>
-          </a:pPr>
-          <a:r>
-            <a:rPr lang="pl-PL" sz="1500" kern="1200" dirty="0" smtClean="0"/>
-            <a:t>Integracja kontrolera z prototypem</a:t>
-          </a:r>
-          <a:endParaRPr lang="pl-PL" sz="1500" kern="1200" dirty="0"/>
-        </a:p>
-      </dsp:txBody>
-      <dsp:txXfrm>
-        <a:off x="2375525" y="1541575"/>
-        <a:ext cx="2036655" cy="486461"/>
-      </dsp:txXfrm>
-    </dsp:sp>
-    <dsp:sp modelId="{E07B78CC-FE6D-4ACB-B0B8-791C5BE84690}">
-      <dsp:nvSpPr>
-        <dsp:cNvPr id="0" name=""/>
-        <dsp:cNvSpPr/>
-      </dsp:nvSpPr>
-      <dsp:spPr>
-        <a:xfrm rot="5400000">
-          <a:off x="3348638" y="2088386"/>
-          <a:ext cx="90427" cy="90427"/>
-        </a:xfrm>
-        <a:prstGeom prst="rightArrow">
-          <a:avLst>
-            <a:gd name="adj1" fmla="val 66700"/>
-            <a:gd name="adj2" fmla="val 50000"/>
-          </a:avLst>
-        </a:prstGeom>
-        <a:solidFill>
-          <a:schemeClr val="accent1">
-            <a:tint val="60000"/>
-            <a:hueOff val="0"/>
-            <a:satOff val="0"/>
-            <a:lumOff val="0"/>
-            <a:alphaOff val="0"/>
-          </a:schemeClr>
-        </a:solidFill>
-        <a:ln>
-          <a:noFill/>
-        </a:ln>
-        <a:effectLst/>
-      </dsp:spPr>
-      <dsp:style>
-        <a:lnRef idx="0">
-          <a:scrgbClr r="0" g="0" b="0"/>
-        </a:lnRef>
-        <a:fillRef idx="1">
-          <a:scrgbClr r="0" g="0" b="0"/>
-        </a:fillRef>
-        <a:effectRef idx="0">
-          <a:scrgbClr r="0" g="0" b="0"/>
-        </a:effectRef>
-        <a:fontRef idx="minor">
-          <a:schemeClr val="lt1"/>
-        </a:fontRef>
-      </dsp:style>
-    </dsp:sp>
-    <dsp:sp modelId="{9CFE26B2-51E6-4F7D-86C1-48C94F9E25CE}">
-      <dsp:nvSpPr>
-        <dsp:cNvPr id="0" name=""/>
-        <dsp:cNvSpPr/>
-      </dsp:nvSpPr>
-      <dsp:spPr>
-        <a:xfrm>
-          <a:off x="2360390" y="2224027"/>
-          <a:ext cx="2066925" cy="516731"/>
-        </a:xfrm>
-        <a:prstGeom prst="roundRect">
-          <a:avLst>
-            <a:gd name="adj" fmla="val 10000"/>
-          </a:avLst>
-        </a:prstGeom>
-        <a:solidFill>
-          <a:schemeClr val="accent1">
-            <a:alpha val="90000"/>
-            <a:tint val="40000"/>
-            <a:hueOff val="0"/>
-            <a:satOff val="0"/>
-            <a:lumOff val="0"/>
-            <a:alphaOff val="0"/>
-          </a:schemeClr>
-        </a:solidFill>
-        <a:ln w="12700" cap="flat" cmpd="sng" algn="ctr">
-          <a:solidFill>
-            <a:schemeClr val="accent1">
-              <a:alpha val="90000"/>
-              <a:tint val="40000"/>
-              <a:hueOff val="0"/>
-              <a:satOff val="0"/>
-              <a:lumOff val="0"/>
-              <a:alphaOff val="0"/>
-            </a:schemeClr>
-          </a:solidFill>
-          <a:prstDash val="solid"/>
-          <a:miter lim="800000"/>
-        </a:ln>
-        <a:effectLst/>
-      </dsp:spPr>
-      <dsp:style>
-        <a:lnRef idx="2">
-          <a:scrgbClr r="0" g="0" b="0"/>
-        </a:lnRef>
-        <a:fillRef idx="1">
-          <a:scrgbClr r="0" g="0" b="0"/>
-        </a:fillRef>
-        <a:effectRef idx="0">
-          <a:scrgbClr r="0" g="0" b="0"/>
-        </a:effectRef>
-        <a:fontRef idx="minor"/>
-      </dsp:style>
-      <dsp:txBody>
-        <a:bodyPr spcFirstLastPara="0" vert="horz" wrap="square" lIns="19050" tIns="19050" rIns="19050" bIns="19050" numCol="1" spcCol="1270" anchor="ctr" anchorCtr="0">
-          <a:noAutofit/>
-        </a:bodyPr>
-        <a:lstStyle/>
-        <a:p>
-          <a:pPr lvl="0" algn="ctr" defTabSz="666750">
-            <a:lnSpc>
-              <a:spcPct val="90000"/>
-            </a:lnSpc>
-            <a:spcBef>
-              <a:spcPct val="0"/>
-            </a:spcBef>
-            <a:spcAft>
-              <a:spcPct val="35000"/>
-            </a:spcAft>
-          </a:pPr>
-          <a:r>
-            <a:rPr lang="pl-PL" sz="1500" kern="1200" dirty="0" smtClean="0"/>
-            <a:t>Sterownie postacią z użyciem konect</a:t>
-          </a:r>
-          <a:endParaRPr lang="pl-PL" sz="1500" kern="1200" dirty="0"/>
-        </a:p>
-      </dsp:txBody>
-      <dsp:txXfrm>
-        <a:off x="2375525" y="2239162"/>
-        <a:ext cx="2036655" cy="486461"/>
-      </dsp:txXfrm>
-    </dsp:sp>
-    <dsp:sp modelId="{1DB08D0A-FFD7-437A-BBEB-6C1702F22F8C}">
-      <dsp:nvSpPr>
-        <dsp:cNvPr id="0" name=""/>
-        <dsp:cNvSpPr/>
-      </dsp:nvSpPr>
-      <dsp:spPr>
-        <a:xfrm>
-          <a:off x="4716684" y="828853"/>
-          <a:ext cx="2066925" cy="516731"/>
-        </a:xfrm>
-        <a:prstGeom prst="roundRect">
-          <a:avLst>
-            <a:gd name="adj" fmla="val 10000"/>
-          </a:avLst>
-        </a:prstGeom>
-        <a:solidFill>
-          <a:schemeClr val="accent1">
-            <a:hueOff val="0"/>
-            <a:satOff val="0"/>
-            <a:lumOff val="0"/>
-            <a:alphaOff val="0"/>
-          </a:schemeClr>
-        </a:solidFill>
-        <a:ln w="12700" cap="flat" cmpd="sng" algn="ctr">
-          <a:solidFill>
-            <a:schemeClr val="lt1">
-              <a:hueOff val="0"/>
-              <a:satOff val="0"/>
-              <a:lumOff val="0"/>
-              <a:alphaOff val="0"/>
-            </a:schemeClr>
-          </a:solidFill>
-          <a:prstDash val="solid"/>
-          <a:miter lim="800000"/>
-        </a:ln>
-        <a:effectLst/>
-      </dsp:spPr>
-      <dsp:style>
-        <a:lnRef idx="2">
-          <a:scrgbClr r="0" g="0" b="0"/>
-        </a:lnRef>
-        <a:fillRef idx="1">
-          <a:scrgbClr r="0" g="0" b="0"/>
-        </a:fillRef>
-        <a:effectRef idx="0">
-          <a:scrgbClr r="0" g="0" b="0"/>
-        </a:effectRef>
-        <a:fontRef idx="minor">
-          <a:schemeClr val="lt1"/>
-        </a:fontRef>
-      </dsp:style>
-      <dsp:txBody>
-        <a:bodyPr spcFirstLastPara="0" vert="horz" wrap="square" lIns="36830" tIns="36830" rIns="36830" bIns="36830" numCol="1" spcCol="1270" anchor="ctr" anchorCtr="0">
-          <a:noAutofit/>
-        </a:bodyPr>
-        <a:lstStyle/>
-        <a:p>
-          <a:pPr lvl="0" algn="ctr" defTabSz="1289050">
-            <a:lnSpc>
-              <a:spcPct val="90000"/>
-            </a:lnSpc>
-            <a:spcBef>
-              <a:spcPct val="0"/>
-            </a:spcBef>
-            <a:spcAft>
-              <a:spcPct val="35000"/>
-            </a:spcAft>
-          </a:pPr>
-          <a:r>
-            <a:rPr lang="pl-PL" sz="2900" kern="1200" dirty="0" smtClean="0"/>
-            <a:t>Sprint 3</a:t>
-          </a:r>
-          <a:endParaRPr lang="pl-PL" sz="2900" kern="1200" dirty="0"/>
-        </a:p>
-      </dsp:txBody>
-      <dsp:txXfrm>
-        <a:off x="4731819" y="843988"/>
-        <a:ext cx="2036655" cy="486461"/>
-      </dsp:txXfrm>
-    </dsp:sp>
-    <dsp:sp modelId="{BC0ABDFF-DBBE-4443-BF08-3A3E391DF400}">
-      <dsp:nvSpPr>
-        <dsp:cNvPr id="0" name=""/>
-        <dsp:cNvSpPr/>
-      </dsp:nvSpPr>
-      <dsp:spPr>
-        <a:xfrm rot="5400000">
-          <a:off x="5704933" y="1390798"/>
-          <a:ext cx="90427" cy="90427"/>
-        </a:xfrm>
-        <a:prstGeom prst="rightArrow">
-          <a:avLst>
-            <a:gd name="adj1" fmla="val 66700"/>
-            <a:gd name="adj2" fmla="val 50000"/>
-          </a:avLst>
-        </a:prstGeom>
-        <a:solidFill>
-          <a:schemeClr val="accent1">
-            <a:tint val="60000"/>
-            <a:hueOff val="0"/>
-            <a:satOff val="0"/>
-            <a:lumOff val="0"/>
-            <a:alphaOff val="0"/>
-          </a:schemeClr>
-        </a:solidFill>
-        <a:ln>
-          <a:noFill/>
-        </a:ln>
-        <a:effectLst/>
-      </dsp:spPr>
-      <dsp:style>
-        <a:lnRef idx="0">
-          <a:scrgbClr r="0" g="0" b="0"/>
-        </a:lnRef>
-        <a:fillRef idx="1">
-          <a:scrgbClr r="0" g="0" b="0"/>
-        </a:fillRef>
-        <a:effectRef idx="0">
-          <a:scrgbClr r="0" g="0" b="0"/>
-        </a:effectRef>
-        <a:fontRef idx="minor">
-          <a:schemeClr val="lt1"/>
-        </a:fontRef>
-      </dsp:style>
-    </dsp:sp>
-    <dsp:sp modelId="{8DEB17C4-80FC-4069-9D15-1266E4F9258B}">
-      <dsp:nvSpPr>
-        <dsp:cNvPr id="0" name=""/>
-        <dsp:cNvSpPr/>
-      </dsp:nvSpPr>
-      <dsp:spPr>
-        <a:xfrm>
-          <a:off x="4716684" y="1526440"/>
-          <a:ext cx="2066925" cy="516731"/>
-        </a:xfrm>
-        <a:prstGeom prst="roundRect">
-          <a:avLst>
-            <a:gd name="adj" fmla="val 10000"/>
-          </a:avLst>
-        </a:prstGeom>
-        <a:solidFill>
-          <a:schemeClr val="accent1">
-            <a:alpha val="90000"/>
-            <a:tint val="40000"/>
-            <a:hueOff val="0"/>
-            <a:satOff val="0"/>
-            <a:lumOff val="0"/>
-            <a:alphaOff val="0"/>
-          </a:schemeClr>
-        </a:solidFill>
-        <a:ln w="12700" cap="flat" cmpd="sng" algn="ctr">
-          <a:solidFill>
-            <a:schemeClr val="accent1">
-              <a:alpha val="90000"/>
-              <a:tint val="40000"/>
-              <a:hueOff val="0"/>
-              <a:satOff val="0"/>
-              <a:lumOff val="0"/>
-              <a:alphaOff val="0"/>
-            </a:schemeClr>
-          </a:solidFill>
-          <a:prstDash val="solid"/>
-          <a:miter lim="800000"/>
-        </a:ln>
-        <a:effectLst/>
-      </dsp:spPr>
-      <dsp:style>
-        <a:lnRef idx="2">
-          <a:scrgbClr r="0" g="0" b="0"/>
-        </a:lnRef>
-        <a:fillRef idx="1">
-          <a:scrgbClr r="0" g="0" b="0"/>
-        </a:fillRef>
-        <a:effectRef idx="0">
-          <a:scrgbClr r="0" g="0" b="0"/>
-        </a:effectRef>
-        <a:fontRef idx="minor"/>
-      </dsp:style>
-      <dsp:txBody>
-        <a:bodyPr spcFirstLastPara="0" vert="horz" wrap="square" lIns="19050" tIns="19050" rIns="19050" bIns="19050" numCol="1" spcCol="1270" anchor="ctr" anchorCtr="0">
-          <a:noAutofit/>
-        </a:bodyPr>
-        <a:lstStyle/>
-        <a:p>
-          <a:pPr lvl="0" algn="ctr" defTabSz="666750">
-            <a:lnSpc>
-              <a:spcPct val="90000"/>
-            </a:lnSpc>
-            <a:spcBef>
-              <a:spcPct val="0"/>
-            </a:spcBef>
-            <a:spcAft>
-              <a:spcPct val="35000"/>
-            </a:spcAft>
-          </a:pPr>
-          <a:r>
-            <a:rPr lang="pl-PL" sz="1500" kern="1200" dirty="0" smtClean="0"/>
-            <a:t>Dodanie interaktywnego menu</a:t>
-          </a:r>
-          <a:endParaRPr lang="pl-PL" sz="1500" kern="1200" dirty="0"/>
-        </a:p>
-      </dsp:txBody>
-      <dsp:txXfrm>
-        <a:off x="4731819" y="1541575"/>
-        <a:ext cx="2036655" cy="486461"/>
-      </dsp:txXfrm>
-    </dsp:sp>
-    <dsp:sp modelId="{7E723C55-2EDF-4B76-BB9A-C10322449D8E}">
-      <dsp:nvSpPr>
-        <dsp:cNvPr id="0" name=""/>
-        <dsp:cNvSpPr/>
-      </dsp:nvSpPr>
-      <dsp:spPr>
-        <a:xfrm rot="5400000">
-          <a:off x="5704933" y="2088386"/>
-          <a:ext cx="90427" cy="90427"/>
-        </a:xfrm>
-        <a:prstGeom prst="rightArrow">
-          <a:avLst>
-            <a:gd name="adj1" fmla="val 66700"/>
-            <a:gd name="adj2" fmla="val 50000"/>
-          </a:avLst>
-        </a:prstGeom>
-        <a:solidFill>
-          <a:schemeClr val="accent1">
-            <a:tint val="60000"/>
-            <a:hueOff val="0"/>
-            <a:satOff val="0"/>
-            <a:lumOff val="0"/>
-            <a:alphaOff val="0"/>
-          </a:schemeClr>
-        </a:solidFill>
-        <a:ln>
-          <a:noFill/>
-        </a:ln>
-        <a:effectLst/>
-      </dsp:spPr>
-      <dsp:style>
-        <a:lnRef idx="0">
-          <a:scrgbClr r="0" g="0" b="0"/>
-        </a:lnRef>
-        <a:fillRef idx="1">
-          <a:scrgbClr r="0" g="0" b="0"/>
-        </a:fillRef>
-        <a:effectRef idx="0">
-          <a:scrgbClr r="0" g="0" b="0"/>
-        </a:effectRef>
-        <a:fontRef idx="minor">
-          <a:schemeClr val="lt1"/>
-        </a:fontRef>
-      </dsp:style>
-    </dsp:sp>
-    <dsp:sp modelId="{92D77EE9-131B-49BF-A8C1-B173020A6EF4}">
-      <dsp:nvSpPr>
-        <dsp:cNvPr id="0" name=""/>
-        <dsp:cNvSpPr/>
-      </dsp:nvSpPr>
-      <dsp:spPr>
-        <a:xfrm>
-          <a:off x="4716684" y="2224027"/>
-          <a:ext cx="2066925" cy="516731"/>
-        </a:xfrm>
-        <a:prstGeom prst="roundRect">
-          <a:avLst>
-            <a:gd name="adj" fmla="val 10000"/>
-          </a:avLst>
-        </a:prstGeom>
-        <a:solidFill>
-          <a:schemeClr val="accent1">
-            <a:alpha val="90000"/>
-            <a:tint val="40000"/>
-            <a:hueOff val="0"/>
-            <a:satOff val="0"/>
-            <a:lumOff val="0"/>
-            <a:alphaOff val="0"/>
-          </a:schemeClr>
-        </a:solidFill>
-        <a:ln w="12700" cap="flat" cmpd="sng" algn="ctr">
-          <a:solidFill>
-            <a:schemeClr val="accent1">
-              <a:alpha val="90000"/>
-              <a:tint val="40000"/>
-              <a:hueOff val="0"/>
-              <a:satOff val="0"/>
-              <a:lumOff val="0"/>
-              <a:alphaOff val="0"/>
-            </a:schemeClr>
-          </a:solidFill>
-          <a:prstDash val="solid"/>
-          <a:miter lim="800000"/>
-        </a:ln>
-        <a:effectLst/>
-      </dsp:spPr>
-      <dsp:style>
-        <a:lnRef idx="2">
-          <a:scrgbClr r="0" g="0" b="0"/>
-        </a:lnRef>
-        <a:fillRef idx="1">
-          <a:scrgbClr r="0" g="0" b="0"/>
-        </a:fillRef>
-        <a:effectRef idx="0">
-          <a:scrgbClr r="0" g="0" b="0"/>
-        </a:effectRef>
-        <a:fontRef idx="minor"/>
-      </dsp:style>
-      <dsp:txBody>
-        <a:bodyPr spcFirstLastPara="0" vert="horz" wrap="square" lIns="19050" tIns="19050" rIns="19050" bIns="19050" numCol="1" spcCol="1270" anchor="ctr" anchorCtr="0">
-          <a:noAutofit/>
-        </a:bodyPr>
-        <a:lstStyle/>
-        <a:p>
-          <a:pPr lvl="0" algn="ctr" defTabSz="666750">
-            <a:lnSpc>
-              <a:spcPct val="90000"/>
-            </a:lnSpc>
-            <a:spcBef>
-              <a:spcPct val="0"/>
-            </a:spcBef>
-            <a:spcAft>
-              <a:spcPct val="35000"/>
-            </a:spcAft>
-          </a:pPr>
-          <a:r>
-            <a:rPr lang="pl-PL" sz="1500" kern="1200" dirty="0" smtClean="0"/>
-            <a:t>Dodanie interfejsu użytkownika</a:t>
-          </a:r>
-          <a:endParaRPr lang="pl-PL" sz="1500" kern="1200" dirty="0"/>
-        </a:p>
-      </dsp:txBody>
-      <dsp:txXfrm>
-        <a:off x="4731819" y="2239162"/>
-        <a:ext cx="2036655" cy="486461"/>
-      </dsp:txXfrm>
-    </dsp:sp>
-    <dsp:sp modelId="{CFB751E2-E468-4D53-AD8B-7A1C1C0861C6}">
-      <dsp:nvSpPr>
-        <dsp:cNvPr id="0" name=""/>
-        <dsp:cNvSpPr/>
-      </dsp:nvSpPr>
-      <dsp:spPr>
-        <a:xfrm>
-          <a:off x="7077071" y="821594"/>
-          <a:ext cx="2066925" cy="516731"/>
-        </a:xfrm>
-        <a:prstGeom prst="roundRect">
-          <a:avLst>
-            <a:gd name="adj" fmla="val 10000"/>
-          </a:avLst>
-        </a:prstGeom>
-        <a:solidFill>
-          <a:schemeClr val="accent1">
-            <a:hueOff val="0"/>
-            <a:satOff val="0"/>
-            <a:lumOff val="0"/>
-            <a:alphaOff val="0"/>
-          </a:schemeClr>
-        </a:solidFill>
-        <a:ln w="12700" cap="flat" cmpd="sng" algn="ctr">
-          <a:solidFill>
-            <a:schemeClr val="lt1">
-              <a:hueOff val="0"/>
-              <a:satOff val="0"/>
-              <a:lumOff val="0"/>
-              <a:alphaOff val="0"/>
-            </a:schemeClr>
-          </a:solidFill>
-          <a:prstDash val="solid"/>
-          <a:miter lim="800000"/>
-        </a:ln>
-        <a:effectLst/>
-      </dsp:spPr>
-      <dsp:style>
-        <a:lnRef idx="2">
-          <a:scrgbClr r="0" g="0" b="0"/>
-        </a:lnRef>
-        <a:fillRef idx="1">
-          <a:scrgbClr r="0" g="0" b="0"/>
-        </a:fillRef>
-        <a:effectRef idx="0">
-          <a:scrgbClr r="0" g="0" b="0"/>
-        </a:effectRef>
-        <a:fontRef idx="minor">
-          <a:schemeClr val="lt1"/>
-        </a:fontRef>
-      </dsp:style>
-      <dsp:txBody>
-        <a:bodyPr spcFirstLastPara="0" vert="horz" wrap="square" lIns="36830" tIns="36830" rIns="36830" bIns="36830" numCol="1" spcCol="1270" anchor="ctr" anchorCtr="0">
-          <a:noAutofit/>
-        </a:bodyPr>
-        <a:lstStyle/>
-        <a:p>
-          <a:pPr lvl="0" algn="ctr" defTabSz="1289050">
-            <a:lnSpc>
-              <a:spcPct val="90000"/>
-            </a:lnSpc>
-            <a:spcBef>
-              <a:spcPct val="0"/>
-            </a:spcBef>
-            <a:spcAft>
-              <a:spcPct val="35000"/>
-            </a:spcAft>
-          </a:pPr>
-          <a:r>
-            <a:rPr lang="pl-PL" sz="2900" kern="1200" dirty="0" smtClean="0"/>
-            <a:t>Sprint 4</a:t>
-          </a:r>
-          <a:endParaRPr lang="pl-PL" sz="2900" kern="1200" dirty="0"/>
-        </a:p>
-      </dsp:txBody>
-      <dsp:txXfrm>
-        <a:off x="7092206" y="836729"/>
-        <a:ext cx="2036655" cy="486461"/>
-      </dsp:txXfrm>
-    </dsp:sp>
-    <dsp:sp modelId="{EAA06307-7962-4589-9B50-01960BD40E19}">
-      <dsp:nvSpPr>
-        <dsp:cNvPr id="0" name=""/>
-        <dsp:cNvSpPr/>
-      </dsp:nvSpPr>
-      <dsp:spPr>
-        <a:xfrm rot="5419960">
-          <a:off x="8061458" y="1387169"/>
-          <a:ext cx="94059" cy="90427"/>
-        </a:xfrm>
-        <a:prstGeom prst="rightArrow">
-          <a:avLst>
-            <a:gd name="adj1" fmla="val 66700"/>
-            <a:gd name="adj2" fmla="val 50000"/>
-          </a:avLst>
-        </a:prstGeom>
-        <a:solidFill>
-          <a:schemeClr val="accent1">
-            <a:tint val="60000"/>
-            <a:hueOff val="0"/>
-            <a:satOff val="0"/>
-            <a:lumOff val="0"/>
-            <a:alphaOff val="0"/>
-          </a:schemeClr>
-        </a:solidFill>
-        <a:ln>
-          <a:noFill/>
-        </a:ln>
-        <a:effectLst/>
-      </dsp:spPr>
-      <dsp:style>
-        <a:lnRef idx="0">
-          <a:scrgbClr r="0" g="0" b="0"/>
-        </a:lnRef>
-        <a:fillRef idx="1">
-          <a:scrgbClr r="0" g="0" b="0"/>
-        </a:fillRef>
-        <a:effectRef idx="0">
-          <a:scrgbClr r="0" g="0" b="0"/>
-        </a:effectRef>
-        <a:fontRef idx="minor">
-          <a:schemeClr val="lt1"/>
-        </a:fontRef>
-      </dsp:style>
-    </dsp:sp>
-    <dsp:sp modelId="{E2B401D1-4990-448A-81BA-522988E09BAB}">
-      <dsp:nvSpPr>
-        <dsp:cNvPr id="0" name=""/>
-        <dsp:cNvSpPr/>
-      </dsp:nvSpPr>
-      <dsp:spPr>
-        <a:xfrm>
-          <a:off x="7072979" y="1526440"/>
-          <a:ext cx="2066925" cy="516731"/>
-        </a:xfrm>
-        <a:prstGeom prst="roundRect">
-          <a:avLst>
-            <a:gd name="adj" fmla="val 10000"/>
-          </a:avLst>
-        </a:prstGeom>
-        <a:solidFill>
-          <a:schemeClr val="accent1">
-            <a:alpha val="90000"/>
-            <a:tint val="40000"/>
-            <a:hueOff val="0"/>
-            <a:satOff val="0"/>
-            <a:lumOff val="0"/>
-            <a:alphaOff val="0"/>
-          </a:schemeClr>
-        </a:solidFill>
-        <a:ln w="12700" cap="flat" cmpd="sng" algn="ctr">
-          <a:solidFill>
-            <a:schemeClr val="accent1">
-              <a:alpha val="90000"/>
-              <a:tint val="40000"/>
-              <a:hueOff val="0"/>
-              <a:satOff val="0"/>
-              <a:lumOff val="0"/>
-              <a:alphaOff val="0"/>
-            </a:schemeClr>
-          </a:solidFill>
-          <a:prstDash val="solid"/>
-          <a:miter lim="800000"/>
-        </a:ln>
-        <a:effectLst/>
-      </dsp:spPr>
-      <dsp:style>
-        <a:lnRef idx="2">
-          <a:scrgbClr r="0" g="0" b="0"/>
-        </a:lnRef>
-        <a:fillRef idx="1">
-          <a:scrgbClr r="0" g="0" b="0"/>
-        </a:fillRef>
-        <a:effectRef idx="0">
-          <a:scrgbClr r="0" g="0" b="0"/>
-        </a:effectRef>
-        <a:fontRef idx="minor"/>
-      </dsp:style>
-      <dsp:txBody>
-        <a:bodyPr spcFirstLastPara="0" vert="horz" wrap="square" lIns="19050" tIns="19050" rIns="19050" bIns="19050" numCol="1" spcCol="1270" anchor="ctr" anchorCtr="0">
-          <a:noAutofit/>
-        </a:bodyPr>
-        <a:lstStyle/>
-        <a:p>
-          <a:pPr lvl="0" algn="ctr" defTabSz="666750">
-            <a:lnSpc>
-              <a:spcPct val="90000"/>
-            </a:lnSpc>
-            <a:spcBef>
-              <a:spcPct val="0"/>
-            </a:spcBef>
-            <a:spcAft>
-              <a:spcPct val="35000"/>
-            </a:spcAft>
-          </a:pPr>
-          <a:r>
-            <a:rPr lang="pl-PL" sz="1500" kern="1200" dirty="0" smtClean="0"/>
-            <a:t>Dodanie funkcjonalności gry</a:t>
-          </a:r>
-          <a:endParaRPr lang="pl-PL" sz="1500" kern="1200" dirty="0"/>
-        </a:p>
-      </dsp:txBody>
-      <dsp:txXfrm>
-        <a:off x="7088114" y="1541575"/>
-        <a:ext cx="2036655" cy="486461"/>
-      </dsp:txXfrm>
-    </dsp:sp>
-    <dsp:sp modelId="{B2C9C263-80E9-4E4D-9B69-59CDE2BD6E7A}">
-      <dsp:nvSpPr>
-        <dsp:cNvPr id="0" name=""/>
-        <dsp:cNvSpPr/>
-      </dsp:nvSpPr>
-      <dsp:spPr>
-        <a:xfrm rot="5400000">
-          <a:off x="8061227" y="2088386"/>
-          <a:ext cx="90427" cy="90427"/>
-        </a:xfrm>
-        <a:prstGeom prst="rightArrow">
-          <a:avLst>
-            <a:gd name="adj1" fmla="val 66700"/>
-            <a:gd name="adj2" fmla="val 50000"/>
-          </a:avLst>
-        </a:prstGeom>
-        <a:solidFill>
-          <a:schemeClr val="accent1">
-            <a:tint val="60000"/>
-            <a:hueOff val="0"/>
-            <a:satOff val="0"/>
-            <a:lumOff val="0"/>
-            <a:alphaOff val="0"/>
-          </a:schemeClr>
-        </a:solidFill>
-        <a:ln>
-          <a:noFill/>
-        </a:ln>
-        <a:effectLst/>
-      </dsp:spPr>
-      <dsp:style>
-        <a:lnRef idx="0">
-          <a:scrgbClr r="0" g="0" b="0"/>
-        </a:lnRef>
-        <a:fillRef idx="1">
-          <a:scrgbClr r="0" g="0" b="0"/>
-        </a:fillRef>
-        <a:effectRef idx="0">
-          <a:scrgbClr r="0" g="0" b="0"/>
-        </a:effectRef>
-        <a:fontRef idx="minor">
-          <a:schemeClr val="lt1"/>
-        </a:fontRef>
-      </dsp:style>
-    </dsp:sp>
-    <dsp:sp modelId="{5A373A23-817F-4F43-8A8C-3F29D2BB1C70}">
-      <dsp:nvSpPr>
-        <dsp:cNvPr id="0" name=""/>
-        <dsp:cNvSpPr/>
-      </dsp:nvSpPr>
-      <dsp:spPr>
-        <a:xfrm>
-          <a:off x="7072979" y="2224027"/>
-          <a:ext cx="2066925" cy="516731"/>
-        </a:xfrm>
-        <a:prstGeom prst="roundRect">
-          <a:avLst>
-            <a:gd name="adj" fmla="val 10000"/>
-          </a:avLst>
-        </a:prstGeom>
-        <a:solidFill>
-          <a:schemeClr val="accent1">
-            <a:alpha val="90000"/>
-            <a:tint val="40000"/>
-            <a:hueOff val="0"/>
-            <a:satOff val="0"/>
-            <a:lumOff val="0"/>
-            <a:alphaOff val="0"/>
-          </a:schemeClr>
-        </a:solidFill>
-        <a:ln w="12700" cap="flat" cmpd="sng" algn="ctr">
-          <a:solidFill>
-            <a:schemeClr val="accent1">
-              <a:alpha val="90000"/>
-              <a:tint val="40000"/>
-              <a:hueOff val="0"/>
-              <a:satOff val="0"/>
-              <a:lumOff val="0"/>
-              <a:alphaOff val="0"/>
-            </a:schemeClr>
-          </a:solidFill>
-          <a:prstDash val="solid"/>
-          <a:miter lim="800000"/>
-        </a:ln>
-        <a:effectLst/>
-      </dsp:spPr>
-      <dsp:style>
-        <a:lnRef idx="2">
-          <a:scrgbClr r="0" g="0" b="0"/>
-        </a:lnRef>
-        <a:fillRef idx="1">
-          <a:scrgbClr r="0" g="0" b="0"/>
-        </a:fillRef>
-        <a:effectRef idx="0">
-          <a:scrgbClr r="0" g="0" b="0"/>
-        </a:effectRef>
-        <a:fontRef idx="minor"/>
-      </dsp:style>
-      <dsp:txBody>
-        <a:bodyPr spcFirstLastPara="0" vert="horz" wrap="square" lIns="19050" tIns="19050" rIns="19050" bIns="19050" numCol="1" spcCol="1270" anchor="ctr" anchorCtr="0">
-          <a:noAutofit/>
-        </a:bodyPr>
-        <a:lstStyle/>
-        <a:p>
-          <a:pPr lvl="0" algn="ctr" defTabSz="666750">
-            <a:lnSpc>
-              <a:spcPct val="90000"/>
-            </a:lnSpc>
-            <a:spcBef>
-              <a:spcPct val="0"/>
-            </a:spcBef>
-            <a:spcAft>
-              <a:spcPct val="35000"/>
-            </a:spcAft>
-          </a:pPr>
-          <a:r>
-            <a:rPr lang="pl-PL" sz="1500" kern="1200" dirty="0" smtClean="0"/>
-            <a:t>Stworzenie gry wynikowej</a:t>
-          </a:r>
-          <a:endParaRPr lang="pl-PL" sz="1500" kern="1200" dirty="0"/>
-        </a:p>
-      </dsp:txBody>
-      <dsp:txXfrm>
-        <a:off x="7088114" y="2239162"/>
-        <a:ext cx="2036655" cy="486461"/>
-      </dsp:txXfrm>
-    </dsp:sp>
   </dsp:spTree>
 </dsp:drawing>
 </file>
@@ -4544,7 +3186,7 @@
           <a:p>
             <a:fld id="{762B48F5-BACC-47D6-A0F7-82FBF9C6BC85}" type="datetimeFigureOut">
               <a:rPr lang="en-US"/>
-              <a:t>10/4/2015</a:t>
+              <a:t>10/5/2015</a:t>
             </a:fld>
             <a:endParaRPr/>
           </a:p>
@@ -4709,7 +3351,7 @@
           <a:p>
             <a:fld id="{0CB1CD00-5424-4675-AB18-2C419B060449}" type="datetimeFigureOut">
               <a:rPr lang="en-US"/>
-              <a:t>10/4/2015</a:t>
+              <a:t>10/5/2015</a:t>
             </a:fld>
             <a:endParaRPr/>
           </a:p>
@@ -5356,7 +3998,7 @@
           <a:p>
             <a:fld id="{37CC0096-1860-4642-9CD2-0079EA5E7CD1}" type="datetimeFigureOut">
               <a:rPr lang="en-US" smtClean="0"/>
-              <a:t>10/4/2015</a:t>
+              <a:t>10/5/2015</a:t>
             </a:fld>
             <a:endParaRPr lang="en-US"/>
           </a:p>
@@ -5551,7 +4193,7 @@
           <a:p>
             <a:fld id="{37CC0096-1860-4642-9CD2-0079EA5E7CD1}" type="datetimeFigureOut">
               <a:rPr lang="en-US" smtClean="0"/>
-              <a:t>10/4/2015</a:t>
+              <a:t>10/5/2015</a:t>
             </a:fld>
             <a:endParaRPr lang="en-US"/>
           </a:p>
@@ -5740,7 +4382,7 @@
           <a:p>
             <a:fld id="{37CC0096-1860-4642-9CD2-0079EA5E7CD1}" type="datetimeFigureOut">
               <a:rPr lang="en-US" smtClean="0"/>
-              <a:t>10/4/2015</a:t>
+              <a:t>10/5/2015</a:t>
             </a:fld>
             <a:endParaRPr lang="en-US"/>
           </a:p>
@@ -6205,7 +4847,7 @@
           <a:p>
             <a:fld id="{37CC0096-1860-4642-9CD2-0079EA5E7CD1}" type="datetimeFigureOut">
               <a:rPr lang="en-US" smtClean="0"/>
-              <a:t>10/4/2015</a:t>
+              <a:t>10/5/2015</a:t>
             </a:fld>
             <a:endParaRPr lang="en-US"/>
           </a:p>
@@ -6660,7 +5302,7 @@
           <a:p>
             <a:fld id="{37CC0096-1860-4642-9CD2-0079EA5E7CD1}" type="datetimeFigureOut">
               <a:rPr lang="en-US" smtClean="0"/>
-              <a:t>10/4/2015</a:t>
+              <a:t>10/5/2015</a:t>
             </a:fld>
             <a:endParaRPr lang="en-US"/>
           </a:p>
@@ -6793,7 +5435,7 @@
           <a:p>
             <a:fld id="{37CC0096-1860-4642-9CD2-0079EA5E7CD1}" type="datetimeFigureOut">
               <a:rPr lang="en-US" smtClean="0"/>
-              <a:t>10/4/2015</a:t>
+              <a:t>10/5/2015</a:t>
             </a:fld>
             <a:endParaRPr lang="en-US"/>
           </a:p>
@@ -6903,7 +5545,7 @@
           <a:p>
             <a:fld id="{37CC0096-1860-4642-9CD2-0079EA5E7CD1}" type="datetimeFigureOut">
               <a:rPr lang="en-US" smtClean="0"/>
-              <a:t>10/4/2015</a:t>
+              <a:t>10/5/2015</a:t>
             </a:fld>
             <a:endParaRPr lang="en-US"/>
           </a:p>
@@ -7202,7 +5844,7 @@
           <a:p>
             <a:fld id="{37CC0096-1860-4642-9CD2-0079EA5E7CD1}" type="datetimeFigureOut">
               <a:rPr lang="en-US" smtClean="0"/>
-              <a:t>10/4/2015</a:t>
+              <a:t>10/5/2015</a:t>
             </a:fld>
             <a:endParaRPr lang="en-US"/>
           </a:p>
@@ -7530,7 +6172,7 @@
           <a:p>
             <a:fld id="{37CC0096-1860-4642-9CD2-0079EA5E7CD1}" type="datetimeFigureOut">
               <a:rPr lang="en-US" smtClean="0"/>
-              <a:t>10/4/2015</a:t>
+              <a:t>10/5/2015</a:t>
             </a:fld>
             <a:endParaRPr lang="en-US"/>
           </a:p>
@@ -7759,7 +6401,7 @@
             <a:fld id="{37CC0096-1860-4642-9CD2-0079EA5E7CD1}" type="datetimeFigureOut">
               <a:rPr lang="en-US"/>
               <a:pPr/>
-              <a:t>10/4/2015</a:t>
+              <a:t>10/5/2015</a:t>
             </a:fld>
             <a:endParaRPr/>
           </a:p>
@@ -8382,11 +7024,11 @@
   <p:clrMapOvr>
     <a:masterClrMapping/>
   </p:clrMapOvr>
-  <mc:AlternateContent xmlns:mc="http://schemas.openxmlformats.org/markup-compatibility/2006">
-    <mc:Choice xmlns:p14="http://schemas.microsoft.com/office/powerpoint/2010/main" Requires="p14">
+  <mc:AlternateContent xmlns:mc="http://schemas.openxmlformats.org/markup-compatibility/2006" xmlns:p14="http://schemas.microsoft.com/office/powerpoint/2010/main">
+    <mc:Choice Requires="p14">
       <p:transition spd="slow" p14:dur="2000"/>
     </mc:Choice>
-    <mc:Fallback>
+    <mc:Fallback xmlns="">
       <p:transition spd="slow"/>
     </mc:Fallback>
   </mc:AlternateContent>
@@ -8468,11 +7110,11 @@
   <p:clrMapOvr>
     <a:masterClrMapping/>
   </p:clrMapOvr>
-  <mc:AlternateContent xmlns:mc="http://schemas.openxmlformats.org/markup-compatibility/2006">
-    <mc:Choice xmlns:p14="http://schemas.microsoft.com/office/powerpoint/2010/main" Requires="p14">
+  <mc:AlternateContent xmlns:mc="http://schemas.openxmlformats.org/markup-compatibility/2006" xmlns:p14="http://schemas.microsoft.com/office/powerpoint/2010/main">
+    <mc:Choice Requires="p14">
       <p:transition spd="slow" p14:dur="2000"/>
     </mc:Choice>
-    <mc:Fallback>
+    <mc:Fallback xmlns="">
       <p:transition spd="slow"/>
     </mc:Fallback>
   </mc:AlternateContent>
@@ -8548,11 +7190,11 @@
   <p:clrMapOvr>
     <a:masterClrMapping/>
   </p:clrMapOvr>
-  <mc:AlternateContent xmlns:mc="http://schemas.openxmlformats.org/markup-compatibility/2006">
-    <mc:Choice xmlns:p14="http://schemas.microsoft.com/office/powerpoint/2010/main" Requires="p14">
+  <mc:AlternateContent xmlns:mc="http://schemas.openxmlformats.org/markup-compatibility/2006" xmlns:p14="http://schemas.microsoft.com/office/powerpoint/2010/main">
+    <mc:Choice Requires="p14">
       <p:transition spd="slow" p14:dur="2000"/>
     </mc:Choice>
-    <mc:Fallback>
+    <mc:Fallback xmlns="">
       <p:transition spd="slow"/>
     </mc:Fallback>
   </mc:AlternateContent>
@@ -8629,11 +7271,11 @@
   <p:clrMapOvr>
     <a:masterClrMapping/>
   </p:clrMapOvr>
-  <mc:AlternateContent xmlns:mc="http://schemas.openxmlformats.org/markup-compatibility/2006">
-    <mc:Choice xmlns:p14="http://schemas.microsoft.com/office/powerpoint/2010/main" Requires="p14">
+  <mc:AlternateContent xmlns:mc="http://schemas.openxmlformats.org/markup-compatibility/2006" xmlns:p14="http://schemas.microsoft.com/office/powerpoint/2010/main">
+    <mc:Choice Requires="p14">
       <p:transition spd="slow" p14:dur="2000"/>
     </mc:Choice>
-    <mc:Fallback>
+    <mc:Fallback xmlns="">
       <p:transition spd="slow"/>
     </mc:Fallback>
   </mc:AlternateContent>
@@ -8810,7 +7452,26 @@
           <a:bodyPr/>
           <a:lstStyle/>
           <a:p>
-            <a:endParaRPr lang="pl-PL"/>
+            <a:r>
+              <a:rPr lang="pl-PL" dirty="0" smtClean="0"/>
+              <a:t>Zainteresowanie grami </a:t>
+            </a:r>
+          </a:p>
+          <a:p>
+            <a:r>
+              <a:rPr lang="pl-PL" dirty="0" smtClean="0"/>
+              <a:t>Ciekawość nowych technologi sterowania w grach </a:t>
+            </a:r>
+          </a:p>
+          <a:p>
+            <a:r>
+              <a:rPr lang="pl-PL" smtClean="0"/>
+              <a:t>Doświadczenia wcześniejsze z Unity</a:t>
+            </a:r>
+            <a:endParaRPr lang="pl-PL" dirty="0" smtClean="0"/>
+          </a:p>
+          <a:p>
+            <a:endParaRPr lang="pl-PL" dirty="0"/>
           </a:p>
         </p:txBody>
       </p:sp>
@@ -8824,11 +7485,11 @@
   <p:clrMapOvr>
     <a:masterClrMapping/>
   </p:clrMapOvr>
-  <mc:AlternateContent xmlns:mc="http://schemas.openxmlformats.org/markup-compatibility/2006">
-    <mc:Choice xmlns:p14="http://schemas.microsoft.com/office/powerpoint/2010/main" Requires="p14">
+  <mc:AlternateContent xmlns:mc="http://schemas.openxmlformats.org/markup-compatibility/2006" xmlns:p14="http://schemas.microsoft.com/office/powerpoint/2010/main">
+    <mc:Choice Requires="p14">
       <p:transition spd="slow" p14:dur="2000"/>
     </mc:Choice>
-    <mc:Fallback>
+    <mc:Fallback xmlns="">
       <p:transition spd="slow"/>
     </mc:Fallback>
   </mc:AlternateContent>
@@ -8919,11 +7580,11 @@
   <p:clrMapOvr>
     <a:masterClrMapping/>
   </p:clrMapOvr>
-  <mc:AlternateContent xmlns:mc="http://schemas.openxmlformats.org/markup-compatibility/2006">
-    <mc:Choice xmlns:p14="http://schemas.microsoft.com/office/powerpoint/2010/main" Requires="p14">
+  <mc:AlternateContent xmlns:mc="http://schemas.openxmlformats.org/markup-compatibility/2006" xmlns:p14="http://schemas.microsoft.com/office/powerpoint/2010/main">
+    <mc:Choice Requires="p14">
       <p:transition spd="slow" p14:dur="2000"/>
     </mc:Choice>
-    <mc:Fallback>
+    <mc:Fallback xmlns="">
       <p:transition spd="slow"/>
     </mc:Fallback>
   </mc:AlternateContent>
@@ -9009,11 +7670,11 @@
   <p:clrMapOvr>
     <a:masterClrMapping/>
   </p:clrMapOvr>
-  <mc:AlternateContent xmlns:mc="http://schemas.openxmlformats.org/markup-compatibility/2006">
-    <mc:Choice xmlns:p14="http://schemas.microsoft.com/office/powerpoint/2010/main" Requires="p14">
+  <mc:AlternateContent xmlns:mc="http://schemas.openxmlformats.org/markup-compatibility/2006" xmlns:p14="http://schemas.microsoft.com/office/powerpoint/2010/main">
+    <mc:Choice Requires="p14">
       <p:transition spd="slow" p14:dur="2000"/>
     </mc:Choice>
-    <mc:Fallback>
+    <mc:Fallback xmlns="">
       <p:transition spd="slow"/>
     </mc:Fallback>
   </mc:AlternateContent>
@@ -9089,11 +7750,11 @@
   <p:clrMapOvr>
     <a:masterClrMapping/>
   </p:clrMapOvr>
-  <mc:AlternateContent xmlns:mc="http://schemas.openxmlformats.org/markup-compatibility/2006">
-    <mc:Choice xmlns:p14="http://schemas.microsoft.com/office/powerpoint/2010/main" Requires="p14">
+  <mc:AlternateContent xmlns:mc="http://schemas.openxmlformats.org/markup-compatibility/2006" xmlns:p14="http://schemas.microsoft.com/office/powerpoint/2010/main">
+    <mc:Choice Requires="p14">
       <p:transition spd="slow" p14:dur="2000"/>
     </mc:Choice>
-    <mc:Fallback>
+    <mc:Fallback xmlns="">
       <p:transition spd="slow"/>
     </mc:Fallback>
   </mc:AlternateContent>
@@ -9197,11 +7858,11 @@
   <p:clrMapOvr>
     <a:masterClrMapping/>
   </p:clrMapOvr>
-  <mc:AlternateContent xmlns:mc="http://schemas.openxmlformats.org/markup-compatibility/2006">
-    <mc:Choice xmlns:p14="http://schemas.microsoft.com/office/powerpoint/2010/main" Requires="p14">
+  <mc:AlternateContent xmlns:mc="http://schemas.openxmlformats.org/markup-compatibility/2006" xmlns:p14="http://schemas.microsoft.com/office/powerpoint/2010/main">
+    <mc:Choice Requires="p14">
       <p:transition spd="slow" p14:dur="2000"/>
     </mc:Choice>
-    <mc:Fallback>
+    <mc:Fallback xmlns="">
       <p:transition spd="slow"/>
     </mc:Fallback>
   </mc:AlternateContent>
@@ -9303,11 +7964,11 @@
   <p:clrMapOvr>
     <a:masterClrMapping/>
   </p:clrMapOvr>
-  <mc:AlternateContent xmlns:mc="http://schemas.openxmlformats.org/markup-compatibility/2006">
-    <mc:Choice xmlns:p14="http://schemas.microsoft.com/office/powerpoint/2010/main" Requires="p14">
+  <mc:AlternateContent xmlns:mc="http://schemas.openxmlformats.org/markup-compatibility/2006" xmlns:p14="http://schemas.microsoft.com/office/powerpoint/2010/main">
+    <mc:Choice Requires="p14">
       <p:transition spd="slow" p14:dur="2000"/>
     </mc:Choice>
-    <mc:Fallback>
+    <mc:Fallback xmlns="">
       <p:transition spd="slow"/>
     </mc:Fallback>
   </mc:AlternateContent>
@@ -9398,11 +8059,11 @@
   <p:clrMapOvr>
     <a:masterClrMapping/>
   </p:clrMapOvr>
-  <mc:AlternateContent xmlns:mc="http://schemas.openxmlformats.org/markup-compatibility/2006">
-    <mc:Choice xmlns:p14="http://schemas.microsoft.com/office/powerpoint/2010/main" Requires="p14">
+  <mc:AlternateContent xmlns:mc="http://schemas.openxmlformats.org/markup-compatibility/2006" xmlns:p14="http://schemas.microsoft.com/office/powerpoint/2010/main">
+    <mc:Choice Requires="p14">
       <p:transition spd="slow" p14:dur="2000"/>
     </mc:Choice>
-    <mc:Fallback>
+    <mc:Fallback xmlns="">
       <p:transition spd="slow"/>
     </mc:Fallback>
   </mc:AlternateContent>

--- a/Documentation/Gra-zręcznościowa-wykorzystująca-kontroler-kinnect.pptx
+++ b/Documentation/Gra-zręcznościowa-wykorzystująca-kontroler-kinnect.pptx
@@ -1720,42 +1720,42 @@
     </dgm:pt>
   </dgm:ptLst>
   <dgm:cxnLst>
+    <dgm:cxn modelId="{49989EBA-3627-4930-89FB-54D120AA8EB4}" type="presOf" srcId="{9DA0514A-CA2C-4C26-BABB-DB1E57287AE6}" destId="{D96D83C8-EF77-4B32-BF7F-C96CA1FDDC82}" srcOrd="0" destOrd="0" presId="urn:microsoft.com/office/officeart/2005/8/layout/lProcess1"/>
+    <dgm:cxn modelId="{5817AE86-62A9-493B-92F6-1092918AAFB2}" srcId="{6BAF4B16-1C37-4229-9105-EA9D9D59360D}" destId="{B0BA7A44-C5D2-4640-9C33-7113403AEB1D}" srcOrd="0" destOrd="0" parTransId="{9225F0D0-E709-4BD4-93A8-C4315062C2FA}" sibTransId="{9DA0514A-CA2C-4C26-BABB-DB1E57287AE6}"/>
+    <dgm:cxn modelId="{3CE3CC21-DFB5-4920-9A68-CF51A1CB3DA4}" type="presOf" srcId="{242D6CD4-E8A6-41D2-842B-681CFD498D1D}" destId="{A6B007F1-DD38-4BB5-9EE5-B3DDEC1CDA3B}" srcOrd="0" destOrd="0" presId="urn:microsoft.com/office/officeart/2005/8/layout/lProcess1"/>
+    <dgm:cxn modelId="{E68524C6-B501-4655-9D00-A719116E8066}" type="presOf" srcId="{6FF5EB1F-8787-42E7-99A3-115A94ED6840}" destId="{6324E851-9222-4AF4-A958-37B308AC1707}" srcOrd="0" destOrd="0" presId="urn:microsoft.com/office/officeart/2005/8/layout/lProcess1"/>
+    <dgm:cxn modelId="{429CEA89-8D3A-45ED-8466-398A031BF6BB}" type="presOf" srcId="{1075EEA8-B5A3-4257-B46A-9B282208FA1E}" destId="{EAA06307-7962-4589-9B50-01960BD40E19}" srcOrd="0" destOrd="0" presId="urn:microsoft.com/office/officeart/2005/8/layout/lProcess1"/>
+    <dgm:cxn modelId="{04792555-B584-4394-B961-CB15EA1F02B3}" type="presOf" srcId="{9225F0D0-E709-4BD4-93A8-C4315062C2FA}" destId="{7DB796E6-E04F-4232-9F29-C22A001EE88C}" srcOrd="0" destOrd="0" presId="urn:microsoft.com/office/officeart/2005/8/layout/lProcess1"/>
+    <dgm:cxn modelId="{65641B32-3C0E-46C9-85EF-72BB29048CBD}" type="presOf" srcId="{6BAF4B16-1C37-4229-9105-EA9D9D59360D}" destId="{CF769632-FABC-4646-8CA6-5EC342DC1044}" srcOrd="0" destOrd="0" presId="urn:microsoft.com/office/officeart/2005/8/layout/lProcess1"/>
+    <dgm:cxn modelId="{BA1BA509-E709-4253-B3C9-402329057AB5}" type="presOf" srcId="{BEBE4B4E-2695-41FD-9D93-ED53A776753D}" destId="{A5237024-5588-457F-9971-C14A2348CD3E}" srcOrd="0" destOrd="0" presId="urn:microsoft.com/office/officeart/2005/8/layout/lProcess1"/>
+    <dgm:cxn modelId="{8FD3422A-5D05-4363-9ED9-78CB01EC90A4}" type="presOf" srcId="{8672810A-9E3C-46F0-8EBA-A295720AE14D}" destId="{CFB751E2-E468-4D53-AD8B-7A1C1C0861C6}" srcOrd="0" destOrd="0" presId="urn:microsoft.com/office/officeart/2005/8/layout/lProcess1"/>
+    <dgm:cxn modelId="{1CB26BF7-011D-4DC8-BE15-F9C5CD4F8C34}" srcId="{6BAF4B16-1C37-4229-9105-EA9D9D59360D}" destId="{BC39EFC3-B9E0-4AED-91E0-EEAB16D0252A}" srcOrd="2" destOrd="0" parTransId="{9E1DCE5B-0985-4DCF-A1DD-D025C38BD70C}" sibTransId="{9C2F7570-5B01-428A-A11D-A0C6B9489F0E}"/>
+    <dgm:cxn modelId="{657F18A5-AEE3-400C-86BF-3D0C89E56F92}" srcId="{EDA1A606-AEFF-4008-8383-8C49C2669AFD}" destId="{A1498D3D-3E28-4480-AC9C-274E7A14F57B}" srcOrd="0" destOrd="0" parTransId="{FBADE734-0303-4EB1-9BF6-9C85C894DC32}" sibTransId="{87928293-A20E-45A4-9B3C-9DD2EB14C06F}"/>
+    <dgm:cxn modelId="{5A9C409F-639E-4C28-81BF-1F59585044A4}" srcId="{E478DA1D-3F94-40D3-87CC-5826C019E292}" destId="{6BAF4B16-1C37-4229-9105-EA9D9D59360D}" srcOrd="0" destOrd="0" parTransId="{8738A7AA-2704-494E-ADBA-6C3947195756}" sibTransId="{BB779CFE-F596-49C9-A307-815CF879411D}"/>
+    <dgm:cxn modelId="{C6D3E1F6-0B9D-4A4A-BE02-262075988E7F}" type="presOf" srcId="{9B562032-05DD-43D3-BAFA-3FDA21C430DF}" destId="{E2B401D1-4990-448A-81BA-522988E09BAB}" srcOrd="0" destOrd="0" presId="urn:microsoft.com/office/officeart/2005/8/layout/lProcess1"/>
+    <dgm:cxn modelId="{AEA26307-EA58-42B4-894C-3D67D4B56397}" srcId="{9C7B6516-1600-44F0-9E6E-7D0B170C10AD}" destId="{3F485010-7AF6-492B-A2C3-7A2F1701DA1B}" srcOrd="1" destOrd="0" parTransId="{52F51069-05DD-4F31-8F33-1056664D886E}" sibTransId="{8462C8AE-2757-4C20-8B47-2C3CFFF5FFF1}"/>
+    <dgm:cxn modelId="{E3DB666A-D363-49F1-A806-A0017B8C4BC3}" type="presOf" srcId="{87928293-A20E-45A4-9B3C-9DD2EB14C06F}" destId="{7E723C55-2EDF-4B76-BB9A-C10322449D8E}" srcOrd="0" destOrd="0" presId="urn:microsoft.com/office/officeart/2005/8/layout/lProcess1"/>
+    <dgm:cxn modelId="{8ACC117C-0B57-4B7C-9301-340A87A9EF8E}" type="presOf" srcId="{2BE5C6C6-7005-42D0-9A16-66272348DD4D}" destId="{E07B78CC-FE6D-4ACB-B0B8-791C5BE84690}" srcOrd="0" destOrd="0" presId="urn:microsoft.com/office/officeart/2005/8/layout/lProcess1"/>
+    <dgm:cxn modelId="{0F009340-191D-44B0-B877-B9533992322E}" type="presOf" srcId="{48B20F6C-9D3C-4531-AC16-03833F6A4233}" destId="{92D77EE9-131B-49BF-A8C1-B173020A6EF4}" srcOrd="0" destOrd="0" presId="urn:microsoft.com/office/officeart/2005/8/layout/lProcess1"/>
+    <dgm:cxn modelId="{38B70B2E-E023-416A-9809-CA9F68BD0759}" type="presOf" srcId="{BC39EFC3-B9E0-4AED-91E0-EEAB16D0252A}" destId="{F9244871-E6A0-425B-90B0-685F1CE44435}" srcOrd="0" destOrd="0" presId="urn:microsoft.com/office/officeart/2005/8/layout/lProcess1"/>
+    <dgm:cxn modelId="{05A3E7A1-8BCA-4CB0-8EC7-0CBBF3DD4079}" srcId="{E478DA1D-3F94-40D3-87CC-5826C019E292}" destId="{EDA1A606-AEFF-4008-8383-8C49C2669AFD}" srcOrd="2" destOrd="0" parTransId="{7F895046-E32A-4CD3-961E-152F2AC195F1}" sibTransId="{A811874B-E3C6-49B9-994E-BD439129AD91}"/>
+    <dgm:cxn modelId="{DE129E34-FB98-4F92-8F28-ED4BA442475A}" srcId="{E478DA1D-3F94-40D3-87CC-5826C019E292}" destId="{8672810A-9E3C-46F0-8EBA-A295720AE14D}" srcOrd="3" destOrd="0" parTransId="{FE84D570-A028-4D1B-9D5F-9D005BAE5204}" sibTransId="{1576F263-8EAA-4B80-A951-A633C9349EE2}"/>
+    <dgm:cxn modelId="{7223A55E-5607-4989-8FDE-AB87FA5C32A4}" type="presOf" srcId="{F7DA3246-FB20-4C37-997D-4A16A6B34E38}" destId="{5A373A23-817F-4F43-8A8C-3F29D2BB1C70}" srcOrd="0" destOrd="0" presId="urn:microsoft.com/office/officeart/2005/8/layout/lProcess1"/>
+    <dgm:cxn modelId="{78DF9ADF-9580-4FCB-872A-8788663B6DCA}" type="presOf" srcId="{A1498D3D-3E28-4480-AC9C-274E7A14F57B}" destId="{8DEB17C4-80FC-4069-9D15-1266E4F9258B}" srcOrd="0" destOrd="0" presId="urn:microsoft.com/office/officeart/2005/8/layout/lProcess1"/>
+    <dgm:cxn modelId="{83387591-348A-4732-A503-64D4B36AD52A}" type="presOf" srcId="{3F485010-7AF6-492B-A2C3-7A2F1701DA1B}" destId="{9CFE26B2-51E6-4F7D-86C1-48C94F9E25CE}" srcOrd="0" destOrd="0" presId="urn:microsoft.com/office/officeart/2005/8/layout/lProcess1"/>
+    <dgm:cxn modelId="{06F6BFD4-1877-48DC-8481-6BD49F7A7745}" srcId="{8672810A-9E3C-46F0-8EBA-A295720AE14D}" destId="{F7DA3246-FB20-4C37-997D-4A16A6B34E38}" srcOrd="1" destOrd="0" parTransId="{45CB0FEA-A0BD-4F73-8D80-B577A9F4502B}" sibTransId="{2AE756CE-E000-46F2-B2BD-269D15617EE3}"/>
+    <dgm:cxn modelId="{624776B2-C6A9-4319-907C-71D0D43B8A91}" type="presOf" srcId="{B0BA7A44-C5D2-4640-9C33-7113403AEB1D}" destId="{451D2536-E0F9-4991-B210-CD200A773B92}" srcOrd="0" destOrd="0" presId="urn:microsoft.com/office/officeart/2005/8/layout/lProcess1"/>
+    <dgm:cxn modelId="{4920F174-5D6A-4371-834B-000FA2EB1FD7}" type="presOf" srcId="{23038860-8AF3-4EBF-A08C-867C252CFAD1}" destId="{B2C9C263-80E9-4E4D-9B69-59CDE2BD6E7A}" srcOrd="0" destOrd="0" presId="urn:microsoft.com/office/officeart/2005/8/layout/lProcess1"/>
+    <dgm:cxn modelId="{C8AC0B2C-53DC-45C2-B743-07B90F9EAE77}" srcId="{6BAF4B16-1C37-4229-9105-EA9D9D59360D}" destId="{3979EEE9-CA8A-4D58-A18E-936EAF30EC13}" srcOrd="1" destOrd="0" parTransId="{7CEE937F-4DB3-4D31-881E-5930131616CE}" sibTransId="{BEBE4B4E-2695-41FD-9D93-ED53A776753D}"/>
+    <dgm:cxn modelId="{58BCD23C-85C2-406E-8226-C637BC9A3886}" type="presOf" srcId="{EDA1A606-AEFF-4008-8383-8C49C2669AFD}" destId="{1DB08D0A-FFD7-437A-BBEB-6C1702F22F8C}" srcOrd="0" destOrd="0" presId="urn:microsoft.com/office/officeart/2005/8/layout/lProcess1"/>
+    <dgm:cxn modelId="{6A269B34-1E2F-48E9-B62E-4606D66007A8}" type="presOf" srcId="{3979EEE9-CA8A-4D58-A18E-936EAF30EC13}" destId="{6777E287-51F6-4E2F-A8D8-256670C51522}" srcOrd="0" destOrd="0" presId="urn:microsoft.com/office/officeart/2005/8/layout/lProcess1"/>
+    <dgm:cxn modelId="{6C2EB10D-D20B-4E0B-ABB7-C4FA0C4C4AD6}" type="presOf" srcId="{E478DA1D-3F94-40D3-87CC-5826C019E292}" destId="{699098BC-7B75-4AEE-B308-287C522BCEEE}" srcOrd="0" destOrd="0" presId="urn:microsoft.com/office/officeart/2005/8/layout/lProcess1"/>
+    <dgm:cxn modelId="{B1F23982-0A06-4B17-8030-7C50FD99D049}" srcId="{EDA1A606-AEFF-4008-8383-8C49C2669AFD}" destId="{48B20F6C-9D3C-4531-AC16-03833F6A4233}" srcOrd="1" destOrd="0" parTransId="{DBC777F1-1616-4E9D-A3AB-1C93037D674D}" sibTransId="{92FAB5F8-88D4-4E56-A22B-98C3321B5F06}"/>
+    <dgm:cxn modelId="{7A2EA08C-D2B4-4393-9E2B-84903A4349A9}" srcId="{E478DA1D-3F94-40D3-87CC-5826C019E292}" destId="{9C7B6516-1600-44F0-9E6E-7D0B170C10AD}" srcOrd="1" destOrd="0" parTransId="{96EDE288-790D-48A3-A782-D9AA846EB4BE}" sibTransId="{CCE7A57E-B927-49EE-8302-86B66FA27D5A}"/>
     <dgm:cxn modelId="{FFE0B36E-EDB0-468D-9562-D153F9FDA521}" srcId="{8672810A-9E3C-46F0-8EBA-A295720AE14D}" destId="{9B562032-05DD-43D3-BAFA-3FDA21C430DF}" srcOrd="0" destOrd="0" parTransId="{1075EEA8-B5A3-4257-B46A-9B282208FA1E}" sibTransId="{23038860-8AF3-4EBF-A08C-867C252CFAD1}"/>
-    <dgm:cxn modelId="{429CEA89-8D3A-45ED-8466-398A031BF6BB}" type="presOf" srcId="{1075EEA8-B5A3-4257-B46A-9B282208FA1E}" destId="{EAA06307-7962-4589-9B50-01960BD40E19}" srcOrd="0" destOrd="0" presId="urn:microsoft.com/office/officeart/2005/8/layout/lProcess1"/>
-    <dgm:cxn modelId="{E68524C6-B501-4655-9D00-A719116E8066}" type="presOf" srcId="{6FF5EB1F-8787-42E7-99A3-115A94ED6840}" destId="{6324E851-9222-4AF4-A958-37B308AC1707}" srcOrd="0" destOrd="0" presId="urn:microsoft.com/office/officeart/2005/8/layout/lProcess1"/>
-    <dgm:cxn modelId="{65641B32-3C0E-46C9-85EF-72BB29048CBD}" type="presOf" srcId="{6BAF4B16-1C37-4229-9105-EA9D9D59360D}" destId="{CF769632-FABC-4646-8CA6-5EC342DC1044}" srcOrd="0" destOrd="0" presId="urn:microsoft.com/office/officeart/2005/8/layout/lProcess1"/>
-    <dgm:cxn modelId="{AEA26307-EA58-42B4-894C-3D67D4B56397}" srcId="{9C7B6516-1600-44F0-9E6E-7D0B170C10AD}" destId="{3F485010-7AF6-492B-A2C3-7A2F1701DA1B}" srcOrd="1" destOrd="0" parTransId="{52F51069-05DD-4F31-8F33-1056664D886E}" sibTransId="{8462C8AE-2757-4C20-8B47-2C3CFFF5FFF1}"/>
-    <dgm:cxn modelId="{657F18A5-AEE3-400C-86BF-3D0C89E56F92}" srcId="{EDA1A606-AEFF-4008-8383-8C49C2669AFD}" destId="{A1498D3D-3E28-4480-AC9C-274E7A14F57B}" srcOrd="0" destOrd="0" parTransId="{FBADE734-0303-4EB1-9BF6-9C85C894DC32}" sibTransId="{87928293-A20E-45A4-9B3C-9DD2EB14C06F}"/>
-    <dgm:cxn modelId="{4920F174-5D6A-4371-834B-000FA2EB1FD7}" type="presOf" srcId="{23038860-8AF3-4EBF-A08C-867C252CFAD1}" destId="{B2C9C263-80E9-4E4D-9B69-59CDE2BD6E7A}" srcOrd="0" destOrd="0" presId="urn:microsoft.com/office/officeart/2005/8/layout/lProcess1"/>
-    <dgm:cxn modelId="{78DF9ADF-9580-4FCB-872A-8788663B6DCA}" type="presOf" srcId="{A1498D3D-3E28-4480-AC9C-274E7A14F57B}" destId="{8DEB17C4-80FC-4069-9D15-1266E4F9258B}" srcOrd="0" destOrd="0" presId="urn:microsoft.com/office/officeart/2005/8/layout/lProcess1"/>
-    <dgm:cxn modelId="{1CB26BF7-011D-4DC8-BE15-F9C5CD4F8C34}" srcId="{6BAF4B16-1C37-4229-9105-EA9D9D59360D}" destId="{BC39EFC3-B9E0-4AED-91E0-EEAB16D0252A}" srcOrd="2" destOrd="0" parTransId="{9E1DCE5B-0985-4DCF-A1DD-D025C38BD70C}" sibTransId="{9C2F7570-5B01-428A-A11D-A0C6B9489F0E}"/>
-    <dgm:cxn modelId="{83387591-348A-4732-A503-64D4B36AD52A}" type="presOf" srcId="{3F485010-7AF6-492B-A2C3-7A2F1701DA1B}" destId="{9CFE26B2-51E6-4F7D-86C1-48C94F9E25CE}" srcOrd="0" destOrd="0" presId="urn:microsoft.com/office/officeart/2005/8/layout/lProcess1"/>
-    <dgm:cxn modelId="{6C2EB10D-D20B-4E0B-ABB7-C4FA0C4C4AD6}" type="presOf" srcId="{E478DA1D-3F94-40D3-87CC-5826C019E292}" destId="{699098BC-7B75-4AEE-B308-287C522BCEEE}" srcOrd="0" destOrd="0" presId="urn:microsoft.com/office/officeart/2005/8/layout/lProcess1"/>
-    <dgm:cxn modelId="{3CE3CC21-DFB5-4920-9A68-CF51A1CB3DA4}" type="presOf" srcId="{242D6CD4-E8A6-41D2-842B-681CFD498D1D}" destId="{A6B007F1-DD38-4BB5-9EE5-B3DDEC1CDA3B}" srcOrd="0" destOrd="0" presId="urn:microsoft.com/office/officeart/2005/8/layout/lProcess1"/>
-    <dgm:cxn modelId="{6A269B34-1E2F-48E9-B62E-4606D66007A8}" type="presOf" srcId="{3979EEE9-CA8A-4D58-A18E-936EAF30EC13}" destId="{6777E287-51F6-4E2F-A8D8-256670C51522}" srcOrd="0" destOrd="0" presId="urn:microsoft.com/office/officeart/2005/8/layout/lProcess1"/>
+    <dgm:cxn modelId="{13D40FE5-5467-4CE2-B9DF-8908310F360F}" type="presOf" srcId="{9C7B6516-1600-44F0-9E6E-7D0B170C10AD}" destId="{DD9E22AD-6371-4B3F-9170-FFB295A08FEA}" srcOrd="0" destOrd="0" presId="urn:microsoft.com/office/officeart/2005/8/layout/lProcess1"/>
+    <dgm:cxn modelId="{EFAD0E6C-4A70-487A-98F4-FB402E5961D6}" srcId="{9C7B6516-1600-44F0-9E6E-7D0B170C10AD}" destId="{242D6CD4-E8A6-41D2-842B-681CFD498D1D}" srcOrd="0" destOrd="0" parTransId="{6FF5EB1F-8787-42E7-99A3-115A94ED6840}" sibTransId="{2BE5C6C6-7005-42D0-9A16-66272348DD4D}"/>
     <dgm:cxn modelId="{6D143509-CE3A-4119-9A3F-5FADB12271E0}" type="presOf" srcId="{FBADE734-0303-4EB1-9BF6-9C85C894DC32}" destId="{BC0ABDFF-DBBE-4443-BF08-3A3E391DF400}" srcOrd="0" destOrd="0" presId="urn:microsoft.com/office/officeart/2005/8/layout/lProcess1"/>
-    <dgm:cxn modelId="{5A9C409F-639E-4C28-81BF-1F59585044A4}" srcId="{E478DA1D-3F94-40D3-87CC-5826C019E292}" destId="{6BAF4B16-1C37-4229-9105-EA9D9D59360D}" srcOrd="0" destOrd="0" parTransId="{8738A7AA-2704-494E-ADBA-6C3947195756}" sibTransId="{BB779CFE-F596-49C9-A307-815CF879411D}"/>
-    <dgm:cxn modelId="{05A3E7A1-8BCA-4CB0-8EC7-0CBBF3DD4079}" srcId="{E478DA1D-3F94-40D3-87CC-5826C019E292}" destId="{EDA1A606-AEFF-4008-8383-8C49C2669AFD}" srcOrd="2" destOrd="0" parTransId="{7F895046-E32A-4CD3-961E-152F2AC195F1}" sibTransId="{A811874B-E3C6-49B9-994E-BD439129AD91}"/>
-    <dgm:cxn modelId="{BA1BA509-E709-4253-B3C9-402329057AB5}" type="presOf" srcId="{BEBE4B4E-2695-41FD-9D93-ED53A776753D}" destId="{A5237024-5588-457F-9971-C14A2348CD3E}" srcOrd="0" destOrd="0" presId="urn:microsoft.com/office/officeart/2005/8/layout/lProcess1"/>
-    <dgm:cxn modelId="{0F009340-191D-44B0-B877-B9533992322E}" type="presOf" srcId="{48B20F6C-9D3C-4531-AC16-03833F6A4233}" destId="{92D77EE9-131B-49BF-A8C1-B173020A6EF4}" srcOrd="0" destOrd="0" presId="urn:microsoft.com/office/officeart/2005/8/layout/lProcess1"/>
-    <dgm:cxn modelId="{7223A55E-5607-4989-8FDE-AB87FA5C32A4}" type="presOf" srcId="{F7DA3246-FB20-4C37-997D-4A16A6B34E38}" destId="{5A373A23-817F-4F43-8A8C-3F29D2BB1C70}" srcOrd="0" destOrd="0" presId="urn:microsoft.com/office/officeart/2005/8/layout/lProcess1"/>
-    <dgm:cxn modelId="{DE129E34-FB98-4F92-8F28-ED4BA442475A}" srcId="{E478DA1D-3F94-40D3-87CC-5826C019E292}" destId="{8672810A-9E3C-46F0-8EBA-A295720AE14D}" srcOrd="3" destOrd="0" parTransId="{FE84D570-A028-4D1B-9D5F-9D005BAE5204}" sibTransId="{1576F263-8EAA-4B80-A951-A633C9349EE2}"/>
-    <dgm:cxn modelId="{58BCD23C-85C2-406E-8226-C637BC9A3886}" type="presOf" srcId="{EDA1A606-AEFF-4008-8383-8C49C2669AFD}" destId="{1DB08D0A-FFD7-437A-BBEB-6C1702F22F8C}" srcOrd="0" destOrd="0" presId="urn:microsoft.com/office/officeart/2005/8/layout/lProcess1"/>
-    <dgm:cxn modelId="{C8AC0B2C-53DC-45C2-B743-07B90F9EAE77}" srcId="{6BAF4B16-1C37-4229-9105-EA9D9D59360D}" destId="{3979EEE9-CA8A-4D58-A18E-936EAF30EC13}" srcOrd="1" destOrd="0" parTransId="{7CEE937F-4DB3-4D31-881E-5930131616CE}" sibTransId="{BEBE4B4E-2695-41FD-9D93-ED53A776753D}"/>
-    <dgm:cxn modelId="{C6D3E1F6-0B9D-4A4A-BE02-262075988E7F}" type="presOf" srcId="{9B562032-05DD-43D3-BAFA-3FDA21C430DF}" destId="{E2B401D1-4990-448A-81BA-522988E09BAB}" srcOrd="0" destOrd="0" presId="urn:microsoft.com/office/officeart/2005/8/layout/lProcess1"/>
-    <dgm:cxn modelId="{7A2EA08C-D2B4-4393-9E2B-84903A4349A9}" srcId="{E478DA1D-3F94-40D3-87CC-5826C019E292}" destId="{9C7B6516-1600-44F0-9E6E-7D0B170C10AD}" srcOrd="1" destOrd="0" parTransId="{96EDE288-790D-48A3-A782-D9AA846EB4BE}" sibTransId="{CCE7A57E-B927-49EE-8302-86B66FA27D5A}"/>
-    <dgm:cxn modelId="{8FD3422A-5D05-4363-9ED9-78CB01EC90A4}" type="presOf" srcId="{8672810A-9E3C-46F0-8EBA-A295720AE14D}" destId="{CFB751E2-E468-4D53-AD8B-7A1C1C0861C6}" srcOrd="0" destOrd="0" presId="urn:microsoft.com/office/officeart/2005/8/layout/lProcess1"/>
-    <dgm:cxn modelId="{49989EBA-3627-4930-89FB-54D120AA8EB4}" type="presOf" srcId="{9DA0514A-CA2C-4C26-BABB-DB1E57287AE6}" destId="{D96D83C8-EF77-4B32-BF7F-C96CA1FDDC82}" srcOrd="0" destOrd="0" presId="urn:microsoft.com/office/officeart/2005/8/layout/lProcess1"/>
-    <dgm:cxn modelId="{38B70B2E-E023-416A-9809-CA9F68BD0759}" type="presOf" srcId="{BC39EFC3-B9E0-4AED-91E0-EEAB16D0252A}" destId="{F9244871-E6A0-425B-90B0-685F1CE44435}" srcOrd="0" destOrd="0" presId="urn:microsoft.com/office/officeart/2005/8/layout/lProcess1"/>
-    <dgm:cxn modelId="{8ACC117C-0B57-4B7C-9301-340A87A9EF8E}" type="presOf" srcId="{2BE5C6C6-7005-42D0-9A16-66272348DD4D}" destId="{E07B78CC-FE6D-4ACB-B0B8-791C5BE84690}" srcOrd="0" destOrd="0" presId="urn:microsoft.com/office/officeart/2005/8/layout/lProcess1"/>
-    <dgm:cxn modelId="{04792555-B584-4394-B961-CB15EA1F02B3}" type="presOf" srcId="{9225F0D0-E709-4BD4-93A8-C4315062C2FA}" destId="{7DB796E6-E04F-4232-9F29-C22A001EE88C}" srcOrd="0" destOrd="0" presId="urn:microsoft.com/office/officeart/2005/8/layout/lProcess1"/>
-    <dgm:cxn modelId="{624776B2-C6A9-4319-907C-71D0D43B8A91}" type="presOf" srcId="{B0BA7A44-C5D2-4640-9C33-7113403AEB1D}" destId="{451D2536-E0F9-4991-B210-CD200A773B92}" srcOrd="0" destOrd="0" presId="urn:microsoft.com/office/officeart/2005/8/layout/lProcess1"/>
-    <dgm:cxn modelId="{E3DB666A-D363-49F1-A806-A0017B8C4BC3}" type="presOf" srcId="{87928293-A20E-45A4-9B3C-9DD2EB14C06F}" destId="{7E723C55-2EDF-4B76-BB9A-C10322449D8E}" srcOrd="0" destOrd="0" presId="urn:microsoft.com/office/officeart/2005/8/layout/lProcess1"/>
-    <dgm:cxn modelId="{EFAD0E6C-4A70-487A-98F4-FB402E5961D6}" srcId="{9C7B6516-1600-44F0-9E6E-7D0B170C10AD}" destId="{242D6CD4-E8A6-41D2-842B-681CFD498D1D}" srcOrd="0" destOrd="0" parTransId="{6FF5EB1F-8787-42E7-99A3-115A94ED6840}" sibTransId="{2BE5C6C6-7005-42D0-9A16-66272348DD4D}"/>
-    <dgm:cxn modelId="{13D40FE5-5467-4CE2-B9DF-8908310F360F}" type="presOf" srcId="{9C7B6516-1600-44F0-9E6E-7D0B170C10AD}" destId="{DD9E22AD-6371-4B3F-9170-FFB295A08FEA}" srcOrd="0" destOrd="0" presId="urn:microsoft.com/office/officeart/2005/8/layout/lProcess1"/>
-    <dgm:cxn modelId="{5817AE86-62A9-493B-92F6-1092918AAFB2}" srcId="{6BAF4B16-1C37-4229-9105-EA9D9D59360D}" destId="{B0BA7A44-C5D2-4640-9C33-7113403AEB1D}" srcOrd="0" destOrd="0" parTransId="{9225F0D0-E709-4BD4-93A8-C4315062C2FA}" sibTransId="{9DA0514A-CA2C-4C26-BABB-DB1E57287AE6}"/>
-    <dgm:cxn modelId="{06F6BFD4-1877-48DC-8481-6BD49F7A7745}" srcId="{8672810A-9E3C-46F0-8EBA-A295720AE14D}" destId="{F7DA3246-FB20-4C37-997D-4A16A6B34E38}" srcOrd="1" destOrd="0" parTransId="{45CB0FEA-A0BD-4F73-8D80-B577A9F4502B}" sibTransId="{2AE756CE-E000-46F2-B2BD-269D15617EE3}"/>
-    <dgm:cxn modelId="{B1F23982-0A06-4B17-8030-7C50FD99D049}" srcId="{EDA1A606-AEFF-4008-8383-8C49C2669AFD}" destId="{48B20F6C-9D3C-4531-AC16-03833F6A4233}" srcOrd="1" destOrd="0" parTransId="{DBC777F1-1616-4E9D-A3AB-1C93037D674D}" sibTransId="{92FAB5F8-88D4-4E56-A22B-98C3321B5F06}"/>
     <dgm:cxn modelId="{9D3960CD-F14F-4C7B-BEB4-EC20D3B319AE}" type="presParOf" srcId="{699098BC-7B75-4AEE-B308-287C522BCEEE}" destId="{AAF46C2B-06E5-4873-BBC9-1131C48D4317}" srcOrd="0" destOrd="0" presId="urn:microsoft.com/office/officeart/2005/8/layout/lProcess1"/>
     <dgm:cxn modelId="{1A8960F7-3240-4C12-9D69-C4EDF3DF82FF}" type="presParOf" srcId="{AAF46C2B-06E5-4873-BBC9-1131C48D4317}" destId="{CF769632-FABC-4646-8CA6-5EC342DC1044}" srcOrd="0" destOrd="0" presId="urn:microsoft.com/office/officeart/2005/8/layout/lProcess1"/>
     <dgm:cxn modelId="{4F096F30-3CBC-4BC3-BDCB-753565EAA52C}" type="presParOf" srcId="{AAF46C2B-06E5-4873-BBC9-1131C48D4317}" destId="{7DB796E6-E04F-4232-9F29-C22A001EE88C}" srcOrd="1" destOrd="0" presId="urn:microsoft.com/office/officeart/2005/8/layout/lProcess1"/>
@@ -1804,6 +1804,1469 @@
       <dsp:cNvGrpSpPr/>
     </dsp:nvGrpSpPr>
     <dsp:grpSpPr/>
+    <dsp:sp modelId="{CF769632-FABC-4646-8CA6-5EC342DC1044}">
+      <dsp:nvSpPr>
+        <dsp:cNvPr id="0" name=""/>
+        <dsp:cNvSpPr/>
+      </dsp:nvSpPr>
+      <dsp:spPr>
+        <a:xfrm>
+          <a:off x="4095" y="828853"/>
+          <a:ext cx="2066925" cy="516731"/>
+        </a:xfrm>
+        <a:prstGeom prst="roundRect">
+          <a:avLst>
+            <a:gd name="adj" fmla="val 10000"/>
+          </a:avLst>
+        </a:prstGeom>
+        <a:solidFill>
+          <a:schemeClr val="accent1">
+            <a:hueOff val="0"/>
+            <a:satOff val="0"/>
+            <a:lumOff val="0"/>
+            <a:alphaOff val="0"/>
+          </a:schemeClr>
+        </a:solidFill>
+        <a:ln w="12700" cap="flat" cmpd="sng" algn="ctr">
+          <a:solidFill>
+            <a:schemeClr val="lt1">
+              <a:hueOff val="0"/>
+              <a:satOff val="0"/>
+              <a:lumOff val="0"/>
+              <a:alphaOff val="0"/>
+            </a:schemeClr>
+          </a:solidFill>
+          <a:prstDash val="solid"/>
+          <a:miter lim="800000"/>
+        </a:ln>
+        <a:effectLst/>
+      </dsp:spPr>
+      <dsp:style>
+        <a:lnRef idx="2">
+          <a:scrgbClr r="0" g="0" b="0"/>
+        </a:lnRef>
+        <a:fillRef idx="1">
+          <a:scrgbClr r="0" g="0" b="0"/>
+        </a:fillRef>
+        <a:effectRef idx="0">
+          <a:scrgbClr r="0" g="0" b="0"/>
+        </a:effectRef>
+        <a:fontRef idx="minor">
+          <a:schemeClr val="lt1"/>
+        </a:fontRef>
+      </dsp:style>
+      <dsp:txBody>
+        <a:bodyPr spcFirstLastPara="0" vert="horz" wrap="square" lIns="36830" tIns="36830" rIns="36830" bIns="36830" numCol="1" spcCol="1270" anchor="ctr" anchorCtr="0">
+          <a:noAutofit/>
+        </a:bodyPr>
+        <a:lstStyle/>
+        <a:p>
+          <a:pPr lvl="0" algn="ctr" defTabSz="1289050">
+            <a:lnSpc>
+              <a:spcPct val="90000"/>
+            </a:lnSpc>
+            <a:spcBef>
+              <a:spcPct val="0"/>
+            </a:spcBef>
+            <a:spcAft>
+              <a:spcPct val="35000"/>
+            </a:spcAft>
+          </a:pPr>
+          <a:r>
+            <a:rPr lang="pl-PL" sz="2900" kern="1200" dirty="0" smtClean="0"/>
+            <a:t>Sprint 1</a:t>
+          </a:r>
+          <a:endParaRPr lang="pl-PL" sz="2900" kern="1200" dirty="0"/>
+        </a:p>
+      </dsp:txBody>
+      <dsp:txXfrm>
+        <a:off x="19230" y="843988"/>
+        <a:ext cx="2036655" cy="486461"/>
+      </dsp:txXfrm>
+    </dsp:sp>
+    <dsp:sp modelId="{7DB796E6-E04F-4232-9F29-C22A001EE88C}">
+      <dsp:nvSpPr>
+        <dsp:cNvPr id="0" name=""/>
+        <dsp:cNvSpPr/>
+      </dsp:nvSpPr>
+      <dsp:spPr>
+        <a:xfrm rot="5400000">
+          <a:off x="992344" y="1390798"/>
+          <a:ext cx="90427" cy="90427"/>
+        </a:xfrm>
+        <a:prstGeom prst="rightArrow">
+          <a:avLst>
+            <a:gd name="adj1" fmla="val 66700"/>
+            <a:gd name="adj2" fmla="val 50000"/>
+          </a:avLst>
+        </a:prstGeom>
+        <a:solidFill>
+          <a:schemeClr val="accent1">
+            <a:tint val="60000"/>
+            <a:hueOff val="0"/>
+            <a:satOff val="0"/>
+            <a:lumOff val="0"/>
+            <a:alphaOff val="0"/>
+          </a:schemeClr>
+        </a:solidFill>
+        <a:ln>
+          <a:noFill/>
+        </a:ln>
+        <a:effectLst/>
+      </dsp:spPr>
+      <dsp:style>
+        <a:lnRef idx="0">
+          <a:scrgbClr r="0" g="0" b="0"/>
+        </a:lnRef>
+        <a:fillRef idx="1">
+          <a:scrgbClr r="0" g="0" b="0"/>
+        </a:fillRef>
+        <a:effectRef idx="0">
+          <a:scrgbClr r="0" g="0" b="0"/>
+        </a:effectRef>
+        <a:fontRef idx="minor">
+          <a:schemeClr val="lt1"/>
+        </a:fontRef>
+      </dsp:style>
+    </dsp:sp>
+    <dsp:sp modelId="{451D2536-E0F9-4991-B210-CD200A773B92}">
+      <dsp:nvSpPr>
+        <dsp:cNvPr id="0" name=""/>
+        <dsp:cNvSpPr/>
+      </dsp:nvSpPr>
+      <dsp:spPr>
+        <a:xfrm>
+          <a:off x="4095" y="1526440"/>
+          <a:ext cx="2066925" cy="516731"/>
+        </a:xfrm>
+        <a:prstGeom prst="roundRect">
+          <a:avLst>
+            <a:gd name="adj" fmla="val 10000"/>
+          </a:avLst>
+        </a:prstGeom>
+        <a:solidFill>
+          <a:schemeClr val="accent1">
+            <a:alpha val="90000"/>
+            <a:tint val="40000"/>
+            <a:hueOff val="0"/>
+            <a:satOff val="0"/>
+            <a:lumOff val="0"/>
+            <a:alphaOff val="0"/>
+          </a:schemeClr>
+        </a:solidFill>
+        <a:ln w="12700" cap="flat" cmpd="sng" algn="ctr">
+          <a:solidFill>
+            <a:schemeClr val="accent1">
+              <a:alpha val="90000"/>
+              <a:tint val="40000"/>
+              <a:hueOff val="0"/>
+              <a:satOff val="0"/>
+              <a:lumOff val="0"/>
+              <a:alphaOff val="0"/>
+            </a:schemeClr>
+          </a:solidFill>
+          <a:prstDash val="solid"/>
+          <a:miter lim="800000"/>
+        </a:ln>
+        <a:effectLst/>
+      </dsp:spPr>
+      <dsp:style>
+        <a:lnRef idx="2">
+          <a:scrgbClr r="0" g="0" b="0"/>
+        </a:lnRef>
+        <a:fillRef idx="1">
+          <a:scrgbClr r="0" g="0" b="0"/>
+        </a:fillRef>
+        <a:effectRef idx="0">
+          <a:scrgbClr r="0" g="0" b="0"/>
+        </a:effectRef>
+        <a:fontRef idx="minor"/>
+      </dsp:style>
+      <dsp:txBody>
+        <a:bodyPr spcFirstLastPara="0" vert="horz" wrap="square" lIns="19050" tIns="19050" rIns="19050" bIns="19050" numCol="1" spcCol="1270" anchor="ctr" anchorCtr="0">
+          <a:noAutofit/>
+        </a:bodyPr>
+        <a:lstStyle/>
+        <a:p>
+          <a:pPr lvl="0" algn="ctr" defTabSz="666750">
+            <a:lnSpc>
+              <a:spcPct val="90000"/>
+            </a:lnSpc>
+            <a:spcBef>
+              <a:spcPct val="0"/>
+            </a:spcBef>
+            <a:spcAft>
+              <a:spcPct val="35000"/>
+            </a:spcAft>
+          </a:pPr>
+          <a:r>
+            <a:rPr lang="pl-PL" sz="1500" kern="1200" dirty="0" smtClean="0"/>
+            <a:t>Prototy bez użycia kontrolera</a:t>
+          </a:r>
+          <a:endParaRPr lang="pl-PL" sz="1500" kern="1200" dirty="0"/>
+        </a:p>
+      </dsp:txBody>
+      <dsp:txXfrm>
+        <a:off x="19230" y="1541575"/>
+        <a:ext cx="2036655" cy="486461"/>
+      </dsp:txXfrm>
+    </dsp:sp>
+    <dsp:sp modelId="{D96D83C8-EF77-4B32-BF7F-C96CA1FDDC82}">
+      <dsp:nvSpPr>
+        <dsp:cNvPr id="0" name=""/>
+        <dsp:cNvSpPr/>
+      </dsp:nvSpPr>
+      <dsp:spPr>
+        <a:xfrm rot="5415333">
+          <a:off x="1008310" y="2070941"/>
+          <a:ext cx="55540" cy="90427"/>
+        </a:xfrm>
+        <a:prstGeom prst="rightArrow">
+          <a:avLst>
+            <a:gd name="adj1" fmla="val 66700"/>
+            <a:gd name="adj2" fmla="val 50000"/>
+          </a:avLst>
+        </a:prstGeom>
+        <a:solidFill>
+          <a:schemeClr val="accent1">
+            <a:tint val="60000"/>
+            <a:hueOff val="0"/>
+            <a:satOff val="0"/>
+            <a:lumOff val="0"/>
+            <a:alphaOff val="0"/>
+          </a:schemeClr>
+        </a:solidFill>
+        <a:ln>
+          <a:noFill/>
+        </a:ln>
+        <a:effectLst/>
+      </dsp:spPr>
+      <dsp:style>
+        <a:lnRef idx="0">
+          <a:scrgbClr r="0" g="0" b="0"/>
+        </a:lnRef>
+        <a:fillRef idx="1">
+          <a:scrgbClr r="0" g="0" b="0"/>
+        </a:fillRef>
+        <a:effectRef idx="0">
+          <a:scrgbClr r="0" g="0" b="0"/>
+        </a:effectRef>
+        <a:fontRef idx="minor">
+          <a:schemeClr val="lt1"/>
+        </a:fontRef>
+      </dsp:style>
+    </dsp:sp>
+    <dsp:sp modelId="{6777E287-51F6-4E2F-A8D8-256670C51522}">
+      <dsp:nvSpPr>
+        <dsp:cNvPr id="0" name=""/>
+        <dsp:cNvSpPr/>
+      </dsp:nvSpPr>
+      <dsp:spPr>
+        <a:xfrm>
+          <a:off x="1140" y="2189139"/>
+          <a:ext cx="2066925" cy="516731"/>
+        </a:xfrm>
+        <a:prstGeom prst="roundRect">
+          <a:avLst>
+            <a:gd name="adj" fmla="val 10000"/>
+          </a:avLst>
+        </a:prstGeom>
+        <a:solidFill>
+          <a:schemeClr val="accent1">
+            <a:alpha val="90000"/>
+            <a:tint val="40000"/>
+            <a:hueOff val="0"/>
+            <a:satOff val="0"/>
+            <a:lumOff val="0"/>
+            <a:alphaOff val="0"/>
+          </a:schemeClr>
+        </a:solidFill>
+        <a:ln w="12700" cap="flat" cmpd="sng" algn="ctr">
+          <a:solidFill>
+            <a:schemeClr val="accent1">
+              <a:alpha val="90000"/>
+              <a:tint val="40000"/>
+              <a:hueOff val="0"/>
+              <a:satOff val="0"/>
+              <a:lumOff val="0"/>
+              <a:alphaOff val="0"/>
+            </a:schemeClr>
+          </a:solidFill>
+          <a:prstDash val="solid"/>
+          <a:miter lim="800000"/>
+        </a:ln>
+        <a:effectLst/>
+      </dsp:spPr>
+      <dsp:style>
+        <a:lnRef idx="2">
+          <a:scrgbClr r="0" g="0" b="0"/>
+        </a:lnRef>
+        <a:fillRef idx="1">
+          <a:scrgbClr r="0" g="0" b="0"/>
+        </a:fillRef>
+        <a:effectRef idx="0">
+          <a:scrgbClr r="0" g="0" b="0"/>
+        </a:effectRef>
+        <a:fontRef idx="minor"/>
+      </dsp:style>
+      <dsp:txBody>
+        <a:bodyPr spcFirstLastPara="0" vert="horz" wrap="square" lIns="19050" tIns="19050" rIns="19050" bIns="19050" numCol="1" spcCol="1270" anchor="ctr" anchorCtr="0">
+          <a:noAutofit/>
+        </a:bodyPr>
+        <a:lstStyle/>
+        <a:p>
+          <a:pPr lvl="0" algn="ctr" defTabSz="666750">
+            <a:lnSpc>
+              <a:spcPct val="90000"/>
+            </a:lnSpc>
+            <a:spcBef>
+              <a:spcPct val="0"/>
+            </a:spcBef>
+            <a:spcAft>
+              <a:spcPct val="35000"/>
+            </a:spcAft>
+          </a:pPr>
+          <a:r>
+            <a:rPr lang="pl-PL" sz="1500" kern="1200" dirty="0" smtClean="0"/>
+            <a:t>Zapoznanie z kontrolerem</a:t>
+          </a:r>
+          <a:endParaRPr lang="pl-PL" sz="1500" kern="1200" dirty="0"/>
+        </a:p>
+      </dsp:txBody>
+      <dsp:txXfrm>
+        <a:off x="16275" y="2204274"/>
+        <a:ext cx="2036655" cy="486461"/>
+      </dsp:txXfrm>
+    </dsp:sp>
+    <dsp:sp modelId="{A5237024-5588-457F-9971-C14A2348CD3E}">
+      <dsp:nvSpPr>
+        <dsp:cNvPr id="0" name=""/>
+        <dsp:cNvSpPr/>
+      </dsp:nvSpPr>
+      <dsp:spPr>
+        <a:xfrm rot="5386128">
+          <a:off x="973421" y="2768528"/>
+          <a:ext cx="125318" cy="90427"/>
+        </a:xfrm>
+        <a:prstGeom prst="rightArrow">
+          <a:avLst>
+            <a:gd name="adj1" fmla="val 66700"/>
+            <a:gd name="adj2" fmla="val 50000"/>
+          </a:avLst>
+        </a:prstGeom>
+        <a:solidFill>
+          <a:schemeClr val="accent1">
+            <a:tint val="60000"/>
+            <a:hueOff val="0"/>
+            <a:satOff val="0"/>
+            <a:lumOff val="0"/>
+            <a:alphaOff val="0"/>
+          </a:schemeClr>
+        </a:solidFill>
+        <a:ln>
+          <a:noFill/>
+        </a:ln>
+        <a:effectLst/>
+      </dsp:spPr>
+      <dsp:style>
+        <a:lnRef idx="0">
+          <a:scrgbClr r="0" g="0" b="0"/>
+        </a:lnRef>
+        <a:fillRef idx="1">
+          <a:scrgbClr r="0" g="0" b="0"/>
+        </a:fillRef>
+        <a:effectRef idx="0">
+          <a:scrgbClr r="0" g="0" b="0"/>
+        </a:effectRef>
+        <a:fontRef idx="minor">
+          <a:schemeClr val="lt1"/>
+        </a:fontRef>
+      </dsp:style>
+    </dsp:sp>
+    <dsp:sp modelId="{F9244871-E6A0-425B-90B0-685F1CE44435}">
+      <dsp:nvSpPr>
+        <dsp:cNvPr id="0" name=""/>
+        <dsp:cNvSpPr/>
+      </dsp:nvSpPr>
+      <dsp:spPr>
+        <a:xfrm>
+          <a:off x="4095" y="2921615"/>
+          <a:ext cx="2066925" cy="516731"/>
+        </a:xfrm>
+        <a:prstGeom prst="roundRect">
+          <a:avLst>
+            <a:gd name="adj" fmla="val 10000"/>
+          </a:avLst>
+        </a:prstGeom>
+        <a:solidFill>
+          <a:schemeClr val="accent1">
+            <a:alpha val="90000"/>
+            <a:tint val="40000"/>
+            <a:hueOff val="0"/>
+            <a:satOff val="0"/>
+            <a:lumOff val="0"/>
+            <a:alphaOff val="0"/>
+          </a:schemeClr>
+        </a:solidFill>
+        <a:ln w="12700" cap="flat" cmpd="sng" algn="ctr">
+          <a:solidFill>
+            <a:schemeClr val="accent1">
+              <a:alpha val="90000"/>
+              <a:tint val="40000"/>
+              <a:hueOff val="0"/>
+              <a:satOff val="0"/>
+              <a:lumOff val="0"/>
+              <a:alphaOff val="0"/>
+            </a:schemeClr>
+          </a:solidFill>
+          <a:prstDash val="solid"/>
+          <a:miter lim="800000"/>
+        </a:ln>
+        <a:effectLst/>
+      </dsp:spPr>
+      <dsp:style>
+        <a:lnRef idx="2">
+          <a:scrgbClr r="0" g="0" b="0"/>
+        </a:lnRef>
+        <a:fillRef idx="1">
+          <a:scrgbClr r="0" g="0" b="0"/>
+        </a:fillRef>
+        <a:effectRef idx="0">
+          <a:scrgbClr r="0" g="0" b="0"/>
+        </a:effectRef>
+        <a:fontRef idx="minor"/>
+      </dsp:style>
+      <dsp:txBody>
+        <a:bodyPr spcFirstLastPara="0" vert="horz" wrap="square" lIns="19050" tIns="19050" rIns="19050" bIns="19050" numCol="1" spcCol="1270" anchor="ctr" anchorCtr="0">
+          <a:noAutofit/>
+        </a:bodyPr>
+        <a:lstStyle/>
+        <a:p>
+          <a:pPr lvl="0" algn="ctr" defTabSz="666750">
+            <a:lnSpc>
+              <a:spcPct val="90000"/>
+            </a:lnSpc>
+            <a:spcBef>
+              <a:spcPct val="0"/>
+            </a:spcBef>
+            <a:spcAft>
+              <a:spcPct val="35000"/>
+            </a:spcAft>
+          </a:pPr>
+          <a:r>
+            <a:rPr lang="pl-PL" sz="1500" kern="1200" dirty="0" smtClean="0"/>
+            <a:t>Definiowanie dozwolonych ruchów </a:t>
+          </a:r>
+          <a:endParaRPr lang="pl-PL" sz="1500" kern="1200" dirty="0"/>
+        </a:p>
+      </dsp:txBody>
+      <dsp:txXfrm>
+        <a:off x="19230" y="2936750"/>
+        <a:ext cx="2036655" cy="486461"/>
+      </dsp:txXfrm>
+    </dsp:sp>
+    <dsp:sp modelId="{DD9E22AD-6371-4B3F-9170-FFB295A08FEA}">
+      <dsp:nvSpPr>
+        <dsp:cNvPr id="0" name=""/>
+        <dsp:cNvSpPr/>
+      </dsp:nvSpPr>
+      <dsp:spPr>
+        <a:xfrm>
+          <a:off x="2360390" y="828853"/>
+          <a:ext cx="2066925" cy="516731"/>
+        </a:xfrm>
+        <a:prstGeom prst="roundRect">
+          <a:avLst>
+            <a:gd name="adj" fmla="val 10000"/>
+          </a:avLst>
+        </a:prstGeom>
+        <a:solidFill>
+          <a:schemeClr val="accent1">
+            <a:hueOff val="0"/>
+            <a:satOff val="0"/>
+            <a:lumOff val="0"/>
+            <a:alphaOff val="0"/>
+          </a:schemeClr>
+        </a:solidFill>
+        <a:ln w="12700" cap="flat" cmpd="sng" algn="ctr">
+          <a:solidFill>
+            <a:schemeClr val="lt1">
+              <a:hueOff val="0"/>
+              <a:satOff val="0"/>
+              <a:lumOff val="0"/>
+              <a:alphaOff val="0"/>
+            </a:schemeClr>
+          </a:solidFill>
+          <a:prstDash val="solid"/>
+          <a:miter lim="800000"/>
+        </a:ln>
+        <a:effectLst/>
+      </dsp:spPr>
+      <dsp:style>
+        <a:lnRef idx="2">
+          <a:scrgbClr r="0" g="0" b="0"/>
+        </a:lnRef>
+        <a:fillRef idx="1">
+          <a:scrgbClr r="0" g="0" b="0"/>
+        </a:fillRef>
+        <a:effectRef idx="0">
+          <a:scrgbClr r="0" g="0" b="0"/>
+        </a:effectRef>
+        <a:fontRef idx="minor">
+          <a:schemeClr val="lt1"/>
+        </a:fontRef>
+      </dsp:style>
+      <dsp:txBody>
+        <a:bodyPr spcFirstLastPara="0" vert="horz" wrap="square" lIns="36830" tIns="36830" rIns="36830" bIns="36830" numCol="1" spcCol="1270" anchor="ctr" anchorCtr="0">
+          <a:noAutofit/>
+        </a:bodyPr>
+        <a:lstStyle/>
+        <a:p>
+          <a:pPr lvl="0" algn="ctr" defTabSz="1289050">
+            <a:lnSpc>
+              <a:spcPct val="90000"/>
+            </a:lnSpc>
+            <a:spcBef>
+              <a:spcPct val="0"/>
+            </a:spcBef>
+            <a:spcAft>
+              <a:spcPct val="35000"/>
+            </a:spcAft>
+          </a:pPr>
+          <a:r>
+            <a:rPr lang="pl-PL" sz="2900" kern="1200" dirty="0" smtClean="0"/>
+            <a:t>Sprint 2</a:t>
+          </a:r>
+          <a:endParaRPr lang="pl-PL" sz="2900" kern="1200" dirty="0"/>
+        </a:p>
+      </dsp:txBody>
+      <dsp:txXfrm>
+        <a:off x="2375525" y="843988"/>
+        <a:ext cx="2036655" cy="486461"/>
+      </dsp:txXfrm>
+    </dsp:sp>
+    <dsp:sp modelId="{6324E851-9222-4AF4-A958-37B308AC1707}">
+      <dsp:nvSpPr>
+        <dsp:cNvPr id="0" name=""/>
+        <dsp:cNvSpPr/>
+      </dsp:nvSpPr>
+      <dsp:spPr>
+        <a:xfrm rot="5400000">
+          <a:off x="3348638" y="1390798"/>
+          <a:ext cx="90427" cy="90427"/>
+        </a:xfrm>
+        <a:prstGeom prst="rightArrow">
+          <a:avLst>
+            <a:gd name="adj1" fmla="val 66700"/>
+            <a:gd name="adj2" fmla="val 50000"/>
+          </a:avLst>
+        </a:prstGeom>
+        <a:solidFill>
+          <a:schemeClr val="accent1">
+            <a:tint val="60000"/>
+            <a:hueOff val="0"/>
+            <a:satOff val="0"/>
+            <a:lumOff val="0"/>
+            <a:alphaOff val="0"/>
+          </a:schemeClr>
+        </a:solidFill>
+        <a:ln>
+          <a:noFill/>
+        </a:ln>
+        <a:effectLst/>
+      </dsp:spPr>
+      <dsp:style>
+        <a:lnRef idx="0">
+          <a:scrgbClr r="0" g="0" b="0"/>
+        </a:lnRef>
+        <a:fillRef idx="1">
+          <a:scrgbClr r="0" g="0" b="0"/>
+        </a:fillRef>
+        <a:effectRef idx="0">
+          <a:scrgbClr r="0" g="0" b="0"/>
+        </a:effectRef>
+        <a:fontRef idx="minor">
+          <a:schemeClr val="lt1"/>
+        </a:fontRef>
+      </dsp:style>
+    </dsp:sp>
+    <dsp:sp modelId="{A6B007F1-DD38-4BB5-9EE5-B3DDEC1CDA3B}">
+      <dsp:nvSpPr>
+        <dsp:cNvPr id="0" name=""/>
+        <dsp:cNvSpPr/>
+      </dsp:nvSpPr>
+      <dsp:spPr>
+        <a:xfrm>
+          <a:off x="2360390" y="1526440"/>
+          <a:ext cx="2066925" cy="516731"/>
+        </a:xfrm>
+        <a:prstGeom prst="roundRect">
+          <a:avLst>
+            <a:gd name="adj" fmla="val 10000"/>
+          </a:avLst>
+        </a:prstGeom>
+        <a:solidFill>
+          <a:schemeClr val="accent1">
+            <a:alpha val="90000"/>
+            <a:tint val="40000"/>
+            <a:hueOff val="0"/>
+            <a:satOff val="0"/>
+            <a:lumOff val="0"/>
+            <a:alphaOff val="0"/>
+          </a:schemeClr>
+        </a:solidFill>
+        <a:ln w="12700" cap="flat" cmpd="sng" algn="ctr">
+          <a:solidFill>
+            <a:schemeClr val="accent1">
+              <a:alpha val="90000"/>
+              <a:tint val="40000"/>
+              <a:hueOff val="0"/>
+              <a:satOff val="0"/>
+              <a:lumOff val="0"/>
+              <a:alphaOff val="0"/>
+            </a:schemeClr>
+          </a:solidFill>
+          <a:prstDash val="solid"/>
+          <a:miter lim="800000"/>
+        </a:ln>
+        <a:effectLst/>
+      </dsp:spPr>
+      <dsp:style>
+        <a:lnRef idx="2">
+          <a:scrgbClr r="0" g="0" b="0"/>
+        </a:lnRef>
+        <a:fillRef idx="1">
+          <a:scrgbClr r="0" g="0" b="0"/>
+        </a:fillRef>
+        <a:effectRef idx="0">
+          <a:scrgbClr r="0" g="0" b="0"/>
+        </a:effectRef>
+        <a:fontRef idx="minor"/>
+      </dsp:style>
+      <dsp:txBody>
+        <a:bodyPr spcFirstLastPara="0" vert="horz" wrap="square" lIns="19050" tIns="19050" rIns="19050" bIns="19050" numCol="1" spcCol="1270" anchor="ctr" anchorCtr="0">
+          <a:noAutofit/>
+        </a:bodyPr>
+        <a:lstStyle/>
+        <a:p>
+          <a:pPr lvl="0" algn="ctr" defTabSz="666750">
+            <a:lnSpc>
+              <a:spcPct val="90000"/>
+            </a:lnSpc>
+            <a:spcBef>
+              <a:spcPct val="0"/>
+            </a:spcBef>
+            <a:spcAft>
+              <a:spcPct val="35000"/>
+            </a:spcAft>
+          </a:pPr>
+          <a:r>
+            <a:rPr lang="pl-PL" sz="1500" kern="1200" dirty="0" smtClean="0"/>
+            <a:t>Integracja kontrolera z prototypem</a:t>
+          </a:r>
+          <a:endParaRPr lang="pl-PL" sz="1500" kern="1200" dirty="0"/>
+        </a:p>
+      </dsp:txBody>
+      <dsp:txXfrm>
+        <a:off x="2375525" y="1541575"/>
+        <a:ext cx="2036655" cy="486461"/>
+      </dsp:txXfrm>
+    </dsp:sp>
+    <dsp:sp modelId="{E07B78CC-FE6D-4ACB-B0B8-791C5BE84690}">
+      <dsp:nvSpPr>
+        <dsp:cNvPr id="0" name=""/>
+        <dsp:cNvSpPr/>
+      </dsp:nvSpPr>
+      <dsp:spPr>
+        <a:xfrm rot="5400000">
+          <a:off x="3348638" y="2088386"/>
+          <a:ext cx="90427" cy="90427"/>
+        </a:xfrm>
+        <a:prstGeom prst="rightArrow">
+          <a:avLst>
+            <a:gd name="adj1" fmla="val 66700"/>
+            <a:gd name="adj2" fmla="val 50000"/>
+          </a:avLst>
+        </a:prstGeom>
+        <a:solidFill>
+          <a:schemeClr val="accent1">
+            <a:tint val="60000"/>
+            <a:hueOff val="0"/>
+            <a:satOff val="0"/>
+            <a:lumOff val="0"/>
+            <a:alphaOff val="0"/>
+          </a:schemeClr>
+        </a:solidFill>
+        <a:ln>
+          <a:noFill/>
+        </a:ln>
+        <a:effectLst/>
+      </dsp:spPr>
+      <dsp:style>
+        <a:lnRef idx="0">
+          <a:scrgbClr r="0" g="0" b="0"/>
+        </a:lnRef>
+        <a:fillRef idx="1">
+          <a:scrgbClr r="0" g="0" b="0"/>
+        </a:fillRef>
+        <a:effectRef idx="0">
+          <a:scrgbClr r="0" g="0" b="0"/>
+        </a:effectRef>
+        <a:fontRef idx="minor">
+          <a:schemeClr val="lt1"/>
+        </a:fontRef>
+      </dsp:style>
+    </dsp:sp>
+    <dsp:sp modelId="{9CFE26B2-51E6-4F7D-86C1-48C94F9E25CE}">
+      <dsp:nvSpPr>
+        <dsp:cNvPr id="0" name=""/>
+        <dsp:cNvSpPr/>
+      </dsp:nvSpPr>
+      <dsp:spPr>
+        <a:xfrm>
+          <a:off x="2360390" y="2224027"/>
+          <a:ext cx="2066925" cy="516731"/>
+        </a:xfrm>
+        <a:prstGeom prst="roundRect">
+          <a:avLst>
+            <a:gd name="adj" fmla="val 10000"/>
+          </a:avLst>
+        </a:prstGeom>
+        <a:solidFill>
+          <a:schemeClr val="accent1">
+            <a:alpha val="90000"/>
+            <a:tint val="40000"/>
+            <a:hueOff val="0"/>
+            <a:satOff val="0"/>
+            <a:lumOff val="0"/>
+            <a:alphaOff val="0"/>
+          </a:schemeClr>
+        </a:solidFill>
+        <a:ln w="12700" cap="flat" cmpd="sng" algn="ctr">
+          <a:solidFill>
+            <a:schemeClr val="accent1">
+              <a:alpha val="90000"/>
+              <a:tint val="40000"/>
+              <a:hueOff val="0"/>
+              <a:satOff val="0"/>
+              <a:lumOff val="0"/>
+              <a:alphaOff val="0"/>
+            </a:schemeClr>
+          </a:solidFill>
+          <a:prstDash val="solid"/>
+          <a:miter lim="800000"/>
+        </a:ln>
+        <a:effectLst/>
+      </dsp:spPr>
+      <dsp:style>
+        <a:lnRef idx="2">
+          <a:scrgbClr r="0" g="0" b="0"/>
+        </a:lnRef>
+        <a:fillRef idx="1">
+          <a:scrgbClr r="0" g="0" b="0"/>
+        </a:fillRef>
+        <a:effectRef idx="0">
+          <a:scrgbClr r="0" g="0" b="0"/>
+        </a:effectRef>
+        <a:fontRef idx="minor"/>
+      </dsp:style>
+      <dsp:txBody>
+        <a:bodyPr spcFirstLastPara="0" vert="horz" wrap="square" lIns="19050" tIns="19050" rIns="19050" bIns="19050" numCol="1" spcCol="1270" anchor="ctr" anchorCtr="0">
+          <a:noAutofit/>
+        </a:bodyPr>
+        <a:lstStyle/>
+        <a:p>
+          <a:pPr lvl="0" algn="ctr" defTabSz="666750">
+            <a:lnSpc>
+              <a:spcPct val="90000"/>
+            </a:lnSpc>
+            <a:spcBef>
+              <a:spcPct val="0"/>
+            </a:spcBef>
+            <a:spcAft>
+              <a:spcPct val="35000"/>
+            </a:spcAft>
+          </a:pPr>
+          <a:r>
+            <a:rPr lang="pl-PL" sz="1500" kern="1200" dirty="0" smtClean="0"/>
+            <a:t>Sterownie postacią z użyciem konect</a:t>
+          </a:r>
+          <a:endParaRPr lang="pl-PL" sz="1500" kern="1200" dirty="0"/>
+        </a:p>
+      </dsp:txBody>
+      <dsp:txXfrm>
+        <a:off x="2375525" y="2239162"/>
+        <a:ext cx="2036655" cy="486461"/>
+      </dsp:txXfrm>
+    </dsp:sp>
+    <dsp:sp modelId="{1DB08D0A-FFD7-437A-BBEB-6C1702F22F8C}">
+      <dsp:nvSpPr>
+        <dsp:cNvPr id="0" name=""/>
+        <dsp:cNvSpPr/>
+      </dsp:nvSpPr>
+      <dsp:spPr>
+        <a:xfrm>
+          <a:off x="4716684" y="828853"/>
+          <a:ext cx="2066925" cy="516731"/>
+        </a:xfrm>
+        <a:prstGeom prst="roundRect">
+          <a:avLst>
+            <a:gd name="adj" fmla="val 10000"/>
+          </a:avLst>
+        </a:prstGeom>
+        <a:solidFill>
+          <a:schemeClr val="accent1">
+            <a:hueOff val="0"/>
+            <a:satOff val="0"/>
+            <a:lumOff val="0"/>
+            <a:alphaOff val="0"/>
+          </a:schemeClr>
+        </a:solidFill>
+        <a:ln w="12700" cap="flat" cmpd="sng" algn="ctr">
+          <a:solidFill>
+            <a:schemeClr val="lt1">
+              <a:hueOff val="0"/>
+              <a:satOff val="0"/>
+              <a:lumOff val="0"/>
+              <a:alphaOff val="0"/>
+            </a:schemeClr>
+          </a:solidFill>
+          <a:prstDash val="solid"/>
+          <a:miter lim="800000"/>
+        </a:ln>
+        <a:effectLst/>
+      </dsp:spPr>
+      <dsp:style>
+        <a:lnRef idx="2">
+          <a:scrgbClr r="0" g="0" b="0"/>
+        </a:lnRef>
+        <a:fillRef idx="1">
+          <a:scrgbClr r="0" g="0" b="0"/>
+        </a:fillRef>
+        <a:effectRef idx="0">
+          <a:scrgbClr r="0" g="0" b="0"/>
+        </a:effectRef>
+        <a:fontRef idx="minor">
+          <a:schemeClr val="lt1"/>
+        </a:fontRef>
+      </dsp:style>
+      <dsp:txBody>
+        <a:bodyPr spcFirstLastPara="0" vert="horz" wrap="square" lIns="36830" tIns="36830" rIns="36830" bIns="36830" numCol="1" spcCol="1270" anchor="ctr" anchorCtr="0">
+          <a:noAutofit/>
+        </a:bodyPr>
+        <a:lstStyle/>
+        <a:p>
+          <a:pPr lvl="0" algn="ctr" defTabSz="1289050">
+            <a:lnSpc>
+              <a:spcPct val="90000"/>
+            </a:lnSpc>
+            <a:spcBef>
+              <a:spcPct val="0"/>
+            </a:spcBef>
+            <a:spcAft>
+              <a:spcPct val="35000"/>
+            </a:spcAft>
+          </a:pPr>
+          <a:r>
+            <a:rPr lang="pl-PL" sz="2900" kern="1200" dirty="0" smtClean="0"/>
+            <a:t>Sprint 3</a:t>
+          </a:r>
+          <a:endParaRPr lang="pl-PL" sz="2900" kern="1200" dirty="0"/>
+        </a:p>
+      </dsp:txBody>
+      <dsp:txXfrm>
+        <a:off x="4731819" y="843988"/>
+        <a:ext cx="2036655" cy="486461"/>
+      </dsp:txXfrm>
+    </dsp:sp>
+    <dsp:sp modelId="{BC0ABDFF-DBBE-4443-BF08-3A3E391DF400}">
+      <dsp:nvSpPr>
+        <dsp:cNvPr id="0" name=""/>
+        <dsp:cNvSpPr/>
+      </dsp:nvSpPr>
+      <dsp:spPr>
+        <a:xfrm rot="5400000">
+          <a:off x="5704933" y="1390798"/>
+          <a:ext cx="90427" cy="90427"/>
+        </a:xfrm>
+        <a:prstGeom prst="rightArrow">
+          <a:avLst>
+            <a:gd name="adj1" fmla="val 66700"/>
+            <a:gd name="adj2" fmla="val 50000"/>
+          </a:avLst>
+        </a:prstGeom>
+        <a:solidFill>
+          <a:schemeClr val="accent1">
+            <a:tint val="60000"/>
+            <a:hueOff val="0"/>
+            <a:satOff val="0"/>
+            <a:lumOff val="0"/>
+            <a:alphaOff val="0"/>
+          </a:schemeClr>
+        </a:solidFill>
+        <a:ln>
+          <a:noFill/>
+        </a:ln>
+        <a:effectLst/>
+      </dsp:spPr>
+      <dsp:style>
+        <a:lnRef idx="0">
+          <a:scrgbClr r="0" g="0" b="0"/>
+        </a:lnRef>
+        <a:fillRef idx="1">
+          <a:scrgbClr r="0" g="0" b="0"/>
+        </a:fillRef>
+        <a:effectRef idx="0">
+          <a:scrgbClr r="0" g="0" b="0"/>
+        </a:effectRef>
+        <a:fontRef idx="minor">
+          <a:schemeClr val="lt1"/>
+        </a:fontRef>
+      </dsp:style>
+    </dsp:sp>
+    <dsp:sp modelId="{8DEB17C4-80FC-4069-9D15-1266E4F9258B}">
+      <dsp:nvSpPr>
+        <dsp:cNvPr id="0" name=""/>
+        <dsp:cNvSpPr/>
+      </dsp:nvSpPr>
+      <dsp:spPr>
+        <a:xfrm>
+          <a:off x="4716684" y="1526440"/>
+          <a:ext cx="2066925" cy="516731"/>
+        </a:xfrm>
+        <a:prstGeom prst="roundRect">
+          <a:avLst>
+            <a:gd name="adj" fmla="val 10000"/>
+          </a:avLst>
+        </a:prstGeom>
+        <a:solidFill>
+          <a:schemeClr val="accent1">
+            <a:alpha val="90000"/>
+            <a:tint val="40000"/>
+            <a:hueOff val="0"/>
+            <a:satOff val="0"/>
+            <a:lumOff val="0"/>
+            <a:alphaOff val="0"/>
+          </a:schemeClr>
+        </a:solidFill>
+        <a:ln w="12700" cap="flat" cmpd="sng" algn="ctr">
+          <a:solidFill>
+            <a:schemeClr val="accent1">
+              <a:alpha val="90000"/>
+              <a:tint val="40000"/>
+              <a:hueOff val="0"/>
+              <a:satOff val="0"/>
+              <a:lumOff val="0"/>
+              <a:alphaOff val="0"/>
+            </a:schemeClr>
+          </a:solidFill>
+          <a:prstDash val="solid"/>
+          <a:miter lim="800000"/>
+        </a:ln>
+        <a:effectLst/>
+      </dsp:spPr>
+      <dsp:style>
+        <a:lnRef idx="2">
+          <a:scrgbClr r="0" g="0" b="0"/>
+        </a:lnRef>
+        <a:fillRef idx="1">
+          <a:scrgbClr r="0" g="0" b="0"/>
+        </a:fillRef>
+        <a:effectRef idx="0">
+          <a:scrgbClr r="0" g="0" b="0"/>
+        </a:effectRef>
+        <a:fontRef idx="minor"/>
+      </dsp:style>
+      <dsp:txBody>
+        <a:bodyPr spcFirstLastPara="0" vert="horz" wrap="square" lIns="19050" tIns="19050" rIns="19050" bIns="19050" numCol="1" spcCol="1270" anchor="ctr" anchorCtr="0">
+          <a:noAutofit/>
+        </a:bodyPr>
+        <a:lstStyle/>
+        <a:p>
+          <a:pPr lvl="0" algn="ctr" defTabSz="666750">
+            <a:lnSpc>
+              <a:spcPct val="90000"/>
+            </a:lnSpc>
+            <a:spcBef>
+              <a:spcPct val="0"/>
+            </a:spcBef>
+            <a:spcAft>
+              <a:spcPct val="35000"/>
+            </a:spcAft>
+          </a:pPr>
+          <a:r>
+            <a:rPr lang="pl-PL" sz="1500" kern="1200" dirty="0" smtClean="0"/>
+            <a:t>Dodanie interaktywnego menu</a:t>
+          </a:r>
+          <a:endParaRPr lang="pl-PL" sz="1500" kern="1200" dirty="0"/>
+        </a:p>
+      </dsp:txBody>
+      <dsp:txXfrm>
+        <a:off x="4731819" y="1541575"/>
+        <a:ext cx="2036655" cy="486461"/>
+      </dsp:txXfrm>
+    </dsp:sp>
+    <dsp:sp modelId="{7E723C55-2EDF-4B76-BB9A-C10322449D8E}">
+      <dsp:nvSpPr>
+        <dsp:cNvPr id="0" name=""/>
+        <dsp:cNvSpPr/>
+      </dsp:nvSpPr>
+      <dsp:spPr>
+        <a:xfrm rot="5400000">
+          <a:off x="5704933" y="2088386"/>
+          <a:ext cx="90427" cy="90427"/>
+        </a:xfrm>
+        <a:prstGeom prst="rightArrow">
+          <a:avLst>
+            <a:gd name="adj1" fmla="val 66700"/>
+            <a:gd name="adj2" fmla="val 50000"/>
+          </a:avLst>
+        </a:prstGeom>
+        <a:solidFill>
+          <a:schemeClr val="accent1">
+            <a:tint val="60000"/>
+            <a:hueOff val="0"/>
+            <a:satOff val="0"/>
+            <a:lumOff val="0"/>
+            <a:alphaOff val="0"/>
+          </a:schemeClr>
+        </a:solidFill>
+        <a:ln>
+          <a:noFill/>
+        </a:ln>
+        <a:effectLst/>
+      </dsp:spPr>
+      <dsp:style>
+        <a:lnRef idx="0">
+          <a:scrgbClr r="0" g="0" b="0"/>
+        </a:lnRef>
+        <a:fillRef idx="1">
+          <a:scrgbClr r="0" g="0" b="0"/>
+        </a:fillRef>
+        <a:effectRef idx="0">
+          <a:scrgbClr r="0" g="0" b="0"/>
+        </a:effectRef>
+        <a:fontRef idx="minor">
+          <a:schemeClr val="lt1"/>
+        </a:fontRef>
+      </dsp:style>
+    </dsp:sp>
+    <dsp:sp modelId="{92D77EE9-131B-49BF-A8C1-B173020A6EF4}">
+      <dsp:nvSpPr>
+        <dsp:cNvPr id="0" name=""/>
+        <dsp:cNvSpPr/>
+      </dsp:nvSpPr>
+      <dsp:spPr>
+        <a:xfrm>
+          <a:off x="4716684" y="2224027"/>
+          <a:ext cx="2066925" cy="516731"/>
+        </a:xfrm>
+        <a:prstGeom prst="roundRect">
+          <a:avLst>
+            <a:gd name="adj" fmla="val 10000"/>
+          </a:avLst>
+        </a:prstGeom>
+        <a:solidFill>
+          <a:schemeClr val="accent1">
+            <a:alpha val="90000"/>
+            <a:tint val="40000"/>
+            <a:hueOff val="0"/>
+            <a:satOff val="0"/>
+            <a:lumOff val="0"/>
+            <a:alphaOff val="0"/>
+          </a:schemeClr>
+        </a:solidFill>
+        <a:ln w="12700" cap="flat" cmpd="sng" algn="ctr">
+          <a:solidFill>
+            <a:schemeClr val="accent1">
+              <a:alpha val="90000"/>
+              <a:tint val="40000"/>
+              <a:hueOff val="0"/>
+              <a:satOff val="0"/>
+              <a:lumOff val="0"/>
+              <a:alphaOff val="0"/>
+            </a:schemeClr>
+          </a:solidFill>
+          <a:prstDash val="solid"/>
+          <a:miter lim="800000"/>
+        </a:ln>
+        <a:effectLst/>
+      </dsp:spPr>
+      <dsp:style>
+        <a:lnRef idx="2">
+          <a:scrgbClr r="0" g="0" b="0"/>
+        </a:lnRef>
+        <a:fillRef idx="1">
+          <a:scrgbClr r="0" g="0" b="0"/>
+        </a:fillRef>
+        <a:effectRef idx="0">
+          <a:scrgbClr r="0" g="0" b="0"/>
+        </a:effectRef>
+        <a:fontRef idx="minor"/>
+      </dsp:style>
+      <dsp:txBody>
+        <a:bodyPr spcFirstLastPara="0" vert="horz" wrap="square" lIns="19050" tIns="19050" rIns="19050" bIns="19050" numCol="1" spcCol="1270" anchor="ctr" anchorCtr="0">
+          <a:noAutofit/>
+        </a:bodyPr>
+        <a:lstStyle/>
+        <a:p>
+          <a:pPr lvl="0" algn="ctr" defTabSz="666750">
+            <a:lnSpc>
+              <a:spcPct val="90000"/>
+            </a:lnSpc>
+            <a:spcBef>
+              <a:spcPct val="0"/>
+            </a:spcBef>
+            <a:spcAft>
+              <a:spcPct val="35000"/>
+            </a:spcAft>
+          </a:pPr>
+          <a:r>
+            <a:rPr lang="pl-PL" sz="1500" kern="1200" dirty="0" smtClean="0"/>
+            <a:t>Dodanie interfejsu użytkownika</a:t>
+          </a:r>
+          <a:endParaRPr lang="pl-PL" sz="1500" kern="1200" dirty="0"/>
+        </a:p>
+      </dsp:txBody>
+      <dsp:txXfrm>
+        <a:off x="4731819" y="2239162"/>
+        <a:ext cx="2036655" cy="486461"/>
+      </dsp:txXfrm>
+    </dsp:sp>
+    <dsp:sp modelId="{CFB751E2-E468-4D53-AD8B-7A1C1C0861C6}">
+      <dsp:nvSpPr>
+        <dsp:cNvPr id="0" name=""/>
+        <dsp:cNvSpPr/>
+      </dsp:nvSpPr>
+      <dsp:spPr>
+        <a:xfrm>
+          <a:off x="7077071" y="821594"/>
+          <a:ext cx="2066925" cy="516731"/>
+        </a:xfrm>
+        <a:prstGeom prst="roundRect">
+          <a:avLst>
+            <a:gd name="adj" fmla="val 10000"/>
+          </a:avLst>
+        </a:prstGeom>
+        <a:solidFill>
+          <a:schemeClr val="accent1">
+            <a:hueOff val="0"/>
+            <a:satOff val="0"/>
+            <a:lumOff val="0"/>
+            <a:alphaOff val="0"/>
+          </a:schemeClr>
+        </a:solidFill>
+        <a:ln w="12700" cap="flat" cmpd="sng" algn="ctr">
+          <a:solidFill>
+            <a:schemeClr val="lt1">
+              <a:hueOff val="0"/>
+              <a:satOff val="0"/>
+              <a:lumOff val="0"/>
+              <a:alphaOff val="0"/>
+            </a:schemeClr>
+          </a:solidFill>
+          <a:prstDash val="solid"/>
+          <a:miter lim="800000"/>
+        </a:ln>
+        <a:effectLst/>
+      </dsp:spPr>
+      <dsp:style>
+        <a:lnRef idx="2">
+          <a:scrgbClr r="0" g="0" b="0"/>
+        </a:lnRef>
+        <a:fillRef idx="1">
+          <a:scrgbClr r="0" g="0" b="0"/>
+        </a:fillRef>
+        <a:effectRef idx="0">
+          <a:scrgbClr r="0" g="0" b="0"/>
+        </a:effectRef>
+        <a:fontRef idx="minor">
+          <a:schemeClr val="lt1"/>
+        </a:fontRef>
+      </dsp:style>
+      <dsp:txBody>
+        <a:bodyPr spcFirstLastPara="0" vert="horz" wrap="square" lIns="36830" tIns="36830" rIns="36830" bIns="36830" numCol="1" spcCol="1270" anchor="ctr" anchorCtr="0">
+          <a:noAutofit/>
+        </a:bodyPr>
+        <a:lstStyle/>
+        <a:p>
+          <a:pPr lvl="0" algn="ctr" defTabSz="1289050">
+            <a:lnSpc>
+              <a:spcPct val="90000"/>
+            </a:lnSpc>
+            <a:spcBef>
+              <a:spcPct val="0"/>
+            </a:spcBef>
+            <a:spcAft>
+              <a:spcPct val="35000"/>
+            </a:spcAft>
+          </a:pPr>
+          <a:r>
+            <a:rPr lang="pl-PL" sz="2900" kern="1200" dirty="0" smtClean="0"/>
+            <a:t>Sprint 4</a:t>
+          </a:r>
+          <a:endParaRPr lang="pl-PL" sz="2900" kern="1200" dirty="0"/>
+        </a:p>
+      </dsp:txBody>
+      <dsp:txXfrm>
+        <a:off x="7092206" y="836729"/>
+        <a:ext cx="2036655" cy="486461"/>
+      </dsp:txXfrm>
+    </dsp:sp>
+    <dsp:sp modelId="{EAA06307-7962-4589-9B50-01960BD40E19}">
+      <dsp:nvSpPr>
+        <dsp:cNvPr id="0" name=""/>
+        <dsp:cNvSpPr/>
+      </dsp:nvSpPr>
+      <dsp:spPr>
+        <a:xfrm rot="5419960">
+          <a:off x="8061458" y="1387169"/>
+          <a:ext cx="94059" cy="90427"/>
+        </a:xfrm>
+        <a:prstGeom prst="rightArrow">
+          <a:avLst>
+            <a:gd name="adj1" fmla="val 66700"/>
+            <a:gd name="adj2" fmla="val 50000"/>
+          </a:avLst>
+        </a:prstGeom>
+        <a:solidFill>
+          <a:schemeClr val="accent1">
+            <a:tint val="60000"/>
+            <a:hueOff val="0"/>
+            <a:satOff val="0"/>
+            <a:lumOff val="0"/>
+            <a:alphaOff val="0"/>
+          </a:schemeClr>
+        </a:solidFill>
+        <a:ln>
+          <a:noFill/>
+        </a:ln>
+        <a:effectLst/>
+      </dsp:spPr>
+      <dsp:style>
+        <a:lnRef idx="0">
+          <a:scrgbClr r="0" g="0" b="0"/>
+        </a:lnRef>
+        <a:fillRef idx="1">
+          <a:scrgbClr r="0" g="0" b="0"/>
+        </a:fillRef>
+        <a:effectRef idx="0">
+          <a:scrgbClr r="0" g="0" b="0"/>
+        </a:effectRef>
+        <a:fontRef idx="minor">
+          <a:schemeClr val="lt1"/>
+        </a:fontRef>
+      </dsp:style>
+    </dsp:sp>
+    <dsp:sp modelId="{E2B401D1-4990-448A-81BA-522988E09BAB}">
+      <dsp:nvSpPr>
+        <dsp:cNvPr id="0" name=""/>
+        <dsp:cNvSpPr/>
+      </dsp:nvSpPr>
+      <dsp:spPr>
+        <a:xfrm>
+          <a:off x="7072979" y="1526440"/>
+          <a:ext cx="2066925" cy="516731"/>
+        </a:xfrm>
+        <a:prstGeom prst="roundRect">
+          <a:avLst>
+            <a:gd name="adj" fmla="val 10000"/>
+          </a:avLst>
+        </a:prstGeom>
+        <a:solidFill>
+          <a:schemeClr val="accent1">
+            <a:alpha val="90000"/>
+            <a:tint val="40000"/>
+            <a:hueOff val="0"/>
+            <a:satOff val="0"/>
+            <a:lumOff val="0"/>
+            <a:alphaOff val="0"/>
+          </a:schemeClr>
+        </a:solidFill>
+        <a:ln w="12700" cap="flat" cmpd="sng" algn="ctr">
+          <a:solidFill>
+            <a:schemeClr val="accent1">
+              <a:alpha val="90000"/>
+              <a:tint val="40000"/>
+              <a:hueOff val="0"/>
+              <a:satOff val="0"/>
+              <a:lumOff val="0"/>
+              <a:alphaOff val="0"/>
+            </a:schemeClr>
+          </a:solidFill>
+          <a:prstDash val="solid"/>
+          <a:miter lim="800000"/>
+        </a:ln>
+        <a:effectLst/>
+      </dsp:spPr>
+      <dsp:style>
+        <a:lnRef idx="2">
+          <a:scrgbClr r="0" g="0" b="0"/>
+        </a:lnRef>
+        <a:fillRef idx="1">
+          <a:scrgbClr r="0" g="0" b="0"/>
+        </a:fillRef>
+        <a:effectRef idx="0">
+          <a:scrgbClr r="0" g="0" b="0"/>
+        </a:effectRef>
+        <a:fontRef idx="minor"/>
+      </dsp:style>
+      <dsp:txBody>
+        <a:bodyPr spcFirstLastPara="0" vert="horz" wrap="square" lIns="19050" tIns="19050" rIns="19050" bIns="19050" numCol="1" spcCol="1270" anchor="ctr" anchorCtr="0">
+          <a:noAutofit/>
+        </a:bodyPr>
+        <a:lstStyle/>
+        <a:p>
+          <a:pPr lvl="0" algn="ctr" defTabSz="666750">
+            <a:lnSpc>
+              <a:spcPct val="90000"/>
+            </a:lnSpc>
+            <a:spcBef>
+              <a:spcPct val="0"/>
+            </a:spcBef>
+            <a:spcAft>
+              <a:spcPct val="35000"/>
+            </a:spcAft>
+          </a:pPr>
+          <a:r>
+            <a:rPr lang="pl-PL" sz="1500" kern="1200" dirty="0" smtClean="0"/>
+            <a:t>Dodanie funkcjonalności gry</a:t>
+          </a:r>
+          <a:endParaRPr lang="pl-PL" sz="1500" kern="1200" dirty="0"/>
+        </a:p>
+      </dsp:txBody>
+      <dsp:txXfrm>
+        <a:off x="7088114" y="1541575"/>
+        <a:ext cx="2036655" cy="486461"/>
+      </dsp:txXfrm>
+    </dsp:sp>
+    <dsp:sp modelId="{B2C9C263-80E9-4E4D-9B69-59CDE2BD6E7A}">
+      <dsp:nvSpPr>
+        <dsp:cNvPr id="0" name=""/>
+        <dsp:cNvSpPr/>
+      </dsp:nvSpPr>
+      <dsp:spPr>
+        <a:xfrm rot="5400000">
+          <a:off x="8061227" y="2088386"/>
+          <a:ext cx="90427" cy="90427"/>
+        </a:xfrm>
+        <a:prstGeom prst="rightArrow">
+          <a:avLst>
+            <a:gd name="adj1" fmla="val 66700"/>
+            <a:gd name="adj2" fmla="val 50000"/>
+          </a:avLst>
+        </a:prstGeom>
+        <a:solidFill>
+          <a:schemeClr val="accent1">
+            <a:tint val="60000"/>
+            <a:hueOff val="0"/>
+            <a:satOff val="0"/>
+            <a:lumOff val="0"/>
+            <a:alphaOff val="0"/>
+          </a:schemeClr>
+        </a:solidFill>
+        <a:ln>
+          <a:noFill/>
+        </a:ln>
+        <a:effectLst/>
+      </dsp:spPr>
+      <dsp:style>
+        <a:lnRef idx="0">
+          <a:scrgbClr r="0" g="0" b="0"/>
+        </a:lnRef>
+        <a:fillRef idx="1">
+          <a:scrgbClr r="0" g="0" b="0"/>
+        </a:fillRef>
+        <a:effectRef idx="0">
+          <a:scrgbClr r="0" g="0" b="0"/>
+        </a:effectRef>
+        <a:fontRef idx="minor">
+          <a:schemeClr val="lt1"/>
+        </a:fontRef>
+      </dsp:style>
+    </dsp:sp>
+    <dsp:sp modelId="{5A373A23-817F-4F43-8A8C-3F29D2BB1C70}">
+      <dsp:nvSpPr>
+        <dsp:cNvPr id="0" name=""/>
+        <dsp:cNvSpPr/>
+      </dsp:nvSpPr>
+      <dsp:spPr>
+        <a:xfrm>
+          <a:off x="7072979" y="2224027"/>
+          <a:ext cx="2066925" cy="516731"/>
+        </a:xfrm>
+        <a:prstGeom prst="roundRect">
+          <a:avLst>
+            <a:gd name="adj" fmla="val 10000"/>
+          </a:avLst>
+        </a:prstGeom>
+        <a:solidFill>
+          <a:schemeClr val="accent1">
+            <a:alpha val="90000"/>
+            <a:tint val="40000"/>
+            <a:hueOff val="0"/>
+            <a:satOff val="0"/>
+            <a:lumOff val="0"/>
+            <a:alphaOff val="0"/>
+          </a:schemeClr>
+        </a:solidFill>
+        <a:ln w="12700" cap="flat" cmpd="sng" algn="ctr">
+          <a:solidFill>
+            <a:schemeClr val="accent1">
+              <a:alpha val="90000"/>
+              <a:tint val="40000"/>
+              <a:hueOff val="0"/>
+              <a:satOff val="0"/>
+              <a:lumOff val="0"/>
+              <a:alphaOff val="0"/>
+            </a:schemeClr>
+          </a:solidFill>
+          <a:prstDash val="solid"/>
+          <a:miter lim="800000"/>
+        </a:ln>
+        <a:effectLst/>
+      </dsp:spPr>
+      <dsp:style>
+        <a:lnRef idx="2">
+          <a:scrgbClr r="0" g="0" b="0"/>
+        </a:lnRef>
+        <a:fillRef idx="1">
+          <a:scrgbClr r="0" g="0" b="0"/>
+        </a:fillRef>
+        <a:effectRef idx="0">
+          <a:scrgbClr r="0" g="0" b="0"/>
+        </a:effectRef>
+        <a:fontRef idx="minor"/>
+      </dsp:style>
+      <dsp:txBody>
+        <a:bodyPr spcFirstLastPara="0" vert="horz" wrap="square" lIns="19050" tIns="19050" rIns="19050" bIns="19050" numCol="1" spcCol="1270" anchor="ctr" anchorCtr="0">
+          <a:noAutofit/>
+        </a:bodyPr>
+        <a:lstStyle/>
+        <a:p>
+          <a:pPr lvl="0" algn="ctr" defTabSz="666750">
+            <a:lnSpc>
+              <a:spcPct val="90000"/>
+            </a:lnSpc>
+            <a:spcBef>
+              <a:spcPct val="0"/>
+            </a:spcBef>
+            <a:spcAft>
+              <a:spcPct val="35000"/>
+            </a:spcAft>
+          </a:pPr>
+          <a:r>
+            <a:rPr lang="pl-PL" sz="1500" kern="1200" dirty="0" smtClean="0"/>
+            <a:t>Stworzenie gry wynikowej</a:t>
+          </a:r>
+          <a:endParaRPr lang="pl-PL" sz="1500" kern="1200" dirty="0"/>
+        </a:p>
+      </dsp:txBody>
+      <dsp:txXfrm>
+        <a:off x="7088114" y="2239162"/>
+        <a:ext cx="2036655" cy="486461"/>
+      </dsp:txXfrm>
+    </dsp:sp>
   </dsp:spTree>
 </dsp:drawing>
 </file>
@@ -6995,14 +8458,37 @@
           </a:p>
         </p:txBody>
       </p:sp>
+      <p:pic>
+        <p:nvPicPr>
+          <p:cNvPr id="4" name="Content Placeholder 3"/>
+          <p:cNvPicPr>
+            <a:picLocks noGrp="1" noChangeAspect="1"/>
+          </p:cNvPicPr>
+          <p:nvPr>
+            <p:ph type="pic" idx="1"/>
+          </p:nvPr>
+        </p:nvPicPr>
+        <p:blipFill>
+          <a:blip r:embed="rId2"/>
+          <a:srcRect l="16064" r="16064"/>
+          <a:stretch>
+            <a:fillRect/>
+          </a:stretch>
+        </p:blipFill>
+        <p:spPr>
+          <a:prstGeom prst="rect">
+            <a:avLst/>
+          </a:prstGeom>
+        </p:spPr>
+      </p:pic>
       <p:sp>
         <p:nvSpPr>
-          <p:cNvPr id="3" name="Content Placeholder 2"/>
+          <p:cNvPr id="5" name="Text Placeholder 4"/>
           <p:cNvSpPr>
             <a:spLocks noGrp="1"/>
           </p:cNvSpPr>
           <p:nvPr>
-            <p:ph idx="1"/>
+            <p:ph type="body" sz="half" idx="2"/>
           </p:nvPr>
         </p:nvSpPr>
         <p:spPr/>
@@ -7010,7 +8496,7 @@
           <a:bodyPr/>
           <a:lstStyle/>
           <a:p>
-            <a:endParaRPr lang="pl-PL"/>
+            <a:endParaRPr lang="pl-PL" dirty="0"/>
           </a:p>
         </p:txBody>
       </p:sp>
@@ -7638,7 +9124,7 @@
             <a:spLocks noGrp="1"/>
           </p:cNvSpPr>
           <p:nvPr>
-            <p:ph idx="1"/>
+            <p:ph type="body" sz="half" idx="2"/>
           </p:nvPr>
         </p:nvSpPr>
         <p:spPr/>
@@ -7646,20 +9132,51 @@
           <a:bodyPr/>
           <a:lstStyle/>
           <a:p>
+            <a:pPr marL="285750" indent="-285750">
+              <a:buFont typeface="Arial" panose="020B0604020202020204" pitchFamily="34" charset="0"/>
+              <a:buChar char="•"/>
+            </a:pPr>
             <a:r>
               <a:rPr lang="pl-PL" dirty="0" smtClean="0"/>
-              <a:t>Gra typu endless runner</a:t>
-            </a:r>
-          </a:p>
-          <a:p>
+              <a:t>Gra typu endless </a:t>
+            </a:r>
             <a:r>
               <a:rPr lang="pl-PL" dirty="0" smtClean="0"/>
-              <a:t>Wykrywanie położenia gracza </a:t>
-            </a:r>
-            <a:endParaRPr lang="pl-PL" dirty="0"/>
+              <a:t>runner</a:t>
+            </a:r>
+            <a:endParaRPr lang="pl-PL" dirty="0" smtClean="0"/>
           </a:p>
         </p:txBody>
       </p:sp>
+      <p:pic>
+        <p:nvPicPr>
+          <p:cNvPr id="5" name="Picture Placeholder 4"/>
+          <p:cNvPicPr>
+            <a:picLocks noGrp="1" noChangeAspect="1"/>
+          </p:cNvPicPr>
+          <p:nvPr>
+            <p:ph type="pic" idx="1"/>
+          </p:nvPr>
+        </p:nvPicPr>
+        <p:blipFill>
+          <a:blip r:embed="rId2">
+            <a:extLst>
+              <a:ext uri="{28A0092B-C50C-407E-A947-70E740481C1C}">
+                <a14:useLocalDpi xmlns:a14="http://schemas.microsoft.com/office/drawing/2010/main" val="0"/>
+              </a:ext>
+            </a:extLst>
+          </a:blip>
+          <a:stretch>
+            <a:fillRect/>
+          </a:stretch>
+        </p:blipFill>
+        <p:spPr>
+          <a:xfrm>
+            <a:off x="783410" y="1412776"/>
+            <a:ext cx="6378419" cy="3587861"/>
+          </a:xfrm>
+        </p:spPr>
+      </p:pic>
     </p:spTree>
     <p:extLst>
       <p:ext uri="{BB962C8B-B14F-4D97-AF65-F5344CB8AC3E}">
@@ -7723,7 +9240,7 @@
       </p:sp>
       <p:sp>
         <p:nvSpPr>
-          <p:cNvPr id="3" name="Content Placeholder 2"/>
+          <p:cNvPr id="5" name="Content Placeholder 4"/>
           <p:cNvSpPr>
             <a:spLocks noGrp="1"/>
           </p:cNvSpPr>
@@ -7736,7 +9253,35 @@
           <a:bodyPr/>
           <a:lstStyle/>
           <a:p>
-            <a:endParaRPr lang="pl-PL"/>
+            <a:r>
+              <a:rPr lang="pl-PL" dirty="0" smtClean="0"/>
+              <a:t>Postać porusza się do przody</a:t>
+            </a:r>
+          </a:p>
+          <a:p>
+            <a:r>
+              <a:rPr lang="pl-PL" dirty="0" smtClean="0"/>
+              <a:t>Można za pomocą kontrolera przemieszczać postać w prawo, lewo i skakać </a:t>
+            </a:r>
+          </a:p>
+          <a:p>
+            <a:r>
+              <a:rPr lang="pl-PL" dirty="0" smtClean="0"/>
+              <a:t>Można zbierać bonusy </a:t>
+            </a:r>
+          </a:p>
+          <a:p>
+            <a:r>
+              <a:rPr lang="pl-PL" dirty="0" smtClean="0"/>
+              <a:t>Gra kończy się jak osiągnie się koniec planszy</a:t>
+            </a:r>
+          </a:p>
+          <a:p>
+            <a:r>
+              <a:rPr lang="pl-PL" dirty="0" smtClean="0"/>
+              <a:t>Grę można skończyć przedwcześnie wpadając na przeszkody</a:t>
+            </a:r>
+            <a:endParaRPr lang="pl-PL" dirty="0"/>
           </a:p>
         </p:txBody>
       </p:sp>
@@ -7844,6 +9389,10 @@
               <a:rPr lang="pl-PL" dirty="0" smtClean="0"/>
               <a:t>Dalsze prace nad grą </a:t>
             </a:r>
+            <a:r>
+              <a:rPr lang="pl-PL" dirty="0" smtClean="0"/>
+              <a:t> oraz rozwój  sterowania </a:t>
+            </a:r>
             <a:endParaRPr lang="pl-PL" dirty="0"/>
           </a:p>
         </p:txBody>
@@ -8038,8 +9587,19 @@
           <a:p>
             <a:r>
               <a:rPr lang="pl-PL" dirty="0" smtClean="0"/>
-              <a:t>Visual Studio</a:t>
-            </a:r>
+              <a:t>Visual </a:t>
+            </a:r>
+            <a:r>
+              <a:rPr lang="pl-PL" dirty="0" smtClean="0"/>
+              <a:t>Studio</a:t>
+            </a:r>
+          </a:p>
+          <a:p>
+            <a:r>
+              <a:rPr lang="pl-PL" dirty="0" smtClean="0"/>
+              <a:t>Microsoft Kinect SDK</a:t>
+            </a:r>
+            <a:endParaRPr lang="pl-PL" dirty="0" smtClean="0"/>
           </a:p>
           <a:p>
             <a:pPr marL="0" indent="0">
